--- a/JPL/JPL03_slide_energy.pptx
+++ b/JPL/JPL03_slide_energy.pptx
@@ -5,10 +5,10 @@
     <p:sldMasterId id="2147483648" r:id="rId4"/>
   </p:sldMasterIdLst>
   <p:notesMasterIdLst>
-    <p:notesMasterId r:id="rId12"/>
+    <p:notesMasterId r:id="rId16"/>
   </p:notesMasterIdLst>
   <p:handoutMasterIdLst>
-    <p:handoutMasterId r:id="rId13"/>
+    <p:handoutMasterId r:id="rId17"/>
   </p:handoutMasterIdLst>
   <p:sldIdLst>
     <p:sldId id="256" r:id="rId5"/>
@@ -18,6 +18,10 @@
     <p:sldId id="531" r:id="rId9"/>
     <p:sldId id="530" r:id="rId10"/>
     <p:sldId id="532" r:id="rId11"/>
+    <p:sldId id="536" r:id="rId12"/>
+    <p:sldId id="533" r:id="rId13"/>
+    <p:sldId id="534" r:id="rId14"/>
+    <p:sldId id="535" r:id="rId15"/>
   </p:sldIdLst>
   <p:sldSz cx="9906000" cy="6858000" type="A4"/>
   <p:notesSz cx="7104063" cy="10234613"/>
@@ -232,7 +236,7 @@
           <a:p>
             <a:fld id="{9C4CBB43-E31D-44A0-A53C-703516A088F9}" type="datetimeFigureOut">
               <a:rPr kumimoji="1" lang="ja-JP" altLang="en-US" smtClean="0"/>
-              <a:t>2025/8/22</a:t>
+              <a:t>2025/8/26</a:t>
             </a:fld>
             <a:endParaRPr kumimoji="1" lang="ja-JP" altLang="en-US"/>
           </a:p>
@@ -410,7 +414,7 @@
           <a:p>
             <a:fld id="{0F5249E7-E526-41BC-878D-DBB27AF3BCB6}" type="datetimeFigureOut">
               <a:rPr kumimoji="1" lang="ja-JP" altLang="en-US" smtClean="0"/>
-              <a:t>2025/8/22</a:t>
+              <a:t>2025/8/26</a:t>
             </a:fld>
             <a:endParaRPr kumimoji="1" lang="ja-JP" altLang="en-US"/>
           </a:p>
@@ -3986,7 +3990,7 @@
                 <a:ea typeface="+mn-ea"/>
                 <a:cs typeface="+mn-cs"/>
               </a:rPr>
-              <a:t>～エネルギーと発電～</a:t>
+              <a:t>～エネルギーと放射線～</a:t>
             </a:r>
           </a:p>
         </p:txBody>
@@ -4136,6 +4140,1022 @@
   <p:clrMapOvr>
     <a:masterClrMapping/>
   </p:clrMapOvr>
+</p:sld>
+</file>
+
+<file path=ppt/slides/slide10.xml><?xml version="1.0" encoding="utf-8"?>
+<p:sld xmlns:a="http://schemas.openxmlformats.org/drawingml/2006/main" xmlns:r="http://schemas.openxmlformats.org/officeDocument/2006/relationships" xmlns:p="http://schemas.openxmlformats.org/presentationml/2006/main">
+  <p:cSld>
+    <p:spTree>
+      <p:nvGrpSpPr>
+        <p:cNvPr id="1" name="">
+          <a:extLst>
+            <a:ext uri="{FF2B5EF4-FFF2-40B4-BE49-F238E27FC236}">
+              <a16:creationId xmlns:a16="http://schemas.microsoft.com/office/drawing/2014/main" id="{9822DE58-1197-553D-9A1E-E3E1F0F251F7}"/>
+            </a:ext>
+          </a:extLst>
+        </p:cNvPr>
+        <p:cNvGrpSpPr/>
+        <p:nvPr/>
+      </p:nvGrpSpPr>
+      <p:grpSpPr>
+        <a:xfrm>
+          <a:off x="0" y="0"/>
+          <a:ext cx="0" cy="0"/>
+          <a:chOff x="0" y="0"/>
+          <a:chExt cx="0" cy="0"/>
+        </a:xfrm>
+      </p:grpSpPr>
+      <p:sp>
+        <p:nvSpPr>
+          <p:cNvPr id="2" name="スライド番号プレースホルダー 1">
+            <a:extLst>
+              <a:ext uri="{FF2B5EF4-FFF2-40B4-BE49-F238E27FC236}">
+                <a16:creationId xmlns:a16="http://schemas.microsoft.com/office/drawing/2014/main" id="{4B9DE364-7AB9-24F5-82B4-E582946D8A30}"/>
+              </a:ext>
+            </a:extLst>
+          </p:cNvPr>
+          <p:cNvSpPr>
+            <a:spLocks noGrp="1"/>
+          </p:cNvSpPr>
+          <p:nvPr>
+            <p:ph type="sldNum" sz="quarter" idx="26"/>
+          </p:nvPr>
+        </p:nvSpPr>
+        <p:spPr/>
+        <p:txBody>
+          <a:bodyPr/>
+          <a:lstStyle/>
+          <a:p>
+            <a:fld id="{6408349E-6932-463E-ABE1-6FC2A2453113}" type="slidenum">
+              <a:rPr kumimoji="1" lang="ja-JP" altLang="en-US" smtClean="0"/>
+              <a:pPr/>
+              <a:t>10</a:t>
+            </a:fld>
+            <a:endParaRPr kumimoji="1" lang="ja-JP" altLang="en-US"/>
+          </a:p>
+        </p:txBody>
+      </p:sp>
+      <p:sp>
+        <p:nvSpPr>
+          <p:cNvPr id="7" name="テキスト プレースホルダー 6">
+            <a:extLst>
+              <a:ext uri="{FF2B5EF4-FFF2-40B4-BE49-F238E27FC236}">
+                <a16:creationId xmlns:a16="http://schemas.microsoft.com/office/drawing/2014/main" id="{AA0A682C-950D-80DE-8479-F362E0388041}"/>
+              </a:ext>
+            </a:extLst>
+          </p:cNvPr>
+          <p:cNvSpPr>
+            <a:spLocks noGrp="1"/>
+          </p:cNvSpPr>
+          <p:nvPr>
+            <p:ph type="body" sz="quarter" idx="24"/>
+          </p:nvPr>
+        </p:nvSpPr>
+        <p:spPr/>
+        <p:txBody>
+          <a:bodyPr/>
+          <a:lstStyle/>
+          <a:p>
+            <a:r>
+              <a:rPr lang="ja-JP" altLang="en-US" dirty="0"/>
+              <a:t>蛇口の近くにいれば，</a:t>
+            </a:r>
+            <a:r>
+              <a:rPr lang="ja-JP" altLang="en-US" dirty="0">
+                <a:solidFill>
+                  <a:schemeClr val="accent6"/>
+                </a:solidFill>
+              </a:rPr>
+              <a:t>多くの水を浴びる</a:t>
+            </a:r>
+            <a:r>
+              <a:rPr lang="ja-JP" altLang="en-US" dirty="0"/>
+              <a:t>．</a:t>
+            </a:r>
+            <a:endParaRPr lang="en-US" altLang="ja-JP" dirty="0"/>
+          </a:p>
+          <a:p>
+            <a:r>
+              <a:rPr lang="ja-JP" altLang="en-US" dirty="0"/>
+              <a:t>蛇口から少し離れたところにいれば，</a:t>
+            </a:r>
+            <a:r>
+              <a:rPr lang="ja-JP" altLang="en-US" dirty="0">
+                <a:solidFill>
+                  <a:schemeClr val="accent6"/>
+                </a:solidFill>
+              </a:rPr>
+              <a:t>少し浴びる</a:t>
+            </a:r>
+            <a:r>
+              <a:rPr lang="ja-JP" altLang="en-US" dirty="0"/>
+              <a:t>．</a:t>
+            </a:r>
+            <a:endParaRPr lang="en-US" altLang="ja-JP" dirty="0"/>
+          </a:p>
+          <a:p>
+            <a:r>
+              <a:rPr lang="ja-JP" altLang="en-US" dirty="0"/>
+              <a:t>蛇口からかなり離れたところにいると</a:t>
+            </a:r>
+            <a:r>
+              <a:rPr lang="ja-JP" altLang="en-US" dirty="0">
+                <a:solidFill>
+                  <a:schemeClr val="accent6"/>
+                </a:solidFill>
+              </a:rPr>
+              <a:t>少しも浴びない</a:t>
+            </a:r>
+            <a:r>
+              <a:rPr lang="ja-JP" altLang="en-US" dirty="0"/>
+              <a:t>．</a:t>
+            </a:r>
+          </a:p>
+        </p:txBody>
+      </p:sp>
+      <p:sp>
+        <p:nvSpPr>
+          <p:cNvPr id="4" name="タイトル 3">
+            <a:extLst>
+              <a:ext uri="{FF2B5EF4-FFF2-40B4-BE49-F238E27FC236}">
+                <a16:creationId xmlns:a16="http://schemas.microsoft.com/office/drawing/2014/main" id="{2769E4AE-3E7F-C17A-055F-C53425C72C31}"/>
+              </a:ext>
+            </a:extLst>
+          </p:cNvPr>
+          <p:cNvSpPr>
+            <a:spLocks noGrp="1"/>
+          </p:cNvSpPr>
+          <p:nvPr>
+            <p:ph type="title"/>
+          </p:nvPr>
+        </p:nvSpPr>
+        <p:spPr/>
+        <p:txBody>
+          <a:bodyPr/>
+          <a:lstStyle/>
+          <a:p>
+            <a:r>
+              <a:rPr kumimoji="1" lang="ja-JP" altLang="en-US" dirty="0"/>
+              <a:t>グレイは「実際に</a:t>
+            </a:r>
+            <a:r>
+              <a:rPr kumimoji="1" lang="ja-JP" altLang="en-US" dirty="0">
+                <a:solidFill>
+                  <a:schemeClr val="accent6"/>
+                </a:solidFill>
+              </a:rPr>
+              <a:t>浴びた水の量</a:t>
+            </a:r>
+            <a:r>
+              <a:rPr kumimoji="1" lang="ja-JP" altLang="en-US" dirty="0"/>
+              <a:t>」である</a:t>
+            </a:r>
+          </a:p>
+        </p:txBody>
+      </p:sp>
+      <p:sp>
+        <p:nvSpPr>
+          <p:cNvPr id="6" name="テキスト プレースホルダー 5">
+            <a:extLst>
+              <a:ext uri="{FF2B5EF4-FFF2-40B4-BE49-F238E27FC236}">
+                <a16:creationId xmlns:a16="http://schemas.microsoft.com/office/drawing/2014/main" id="{1F27493B-7E76-C79F-5A63-EA14E4499955}"/>
+              </a:ext>
+            </a:extLst>
+          </p:cNvPr>
+          <p:cNvSpPr>
+            <a:spLocks noGrp="1"/>
+          </p:cNvSpPr>
+          <p:nvPr>
+            <p:ph type="body" sz="quarter" idx="22"/>
+          </p:nvPr>
+        </p:nvSpPr>
+        <p:spPr/>
+        <p:txBody>
+          <a:bodyPr/>
+          <a:lstStyle/>
+          <a:p>
+            <a:r>
+              <a:rPr lang="en-US" altLang="ja-JP" dirty="0">
+                <a:hlinkClick r:id="rId2"/>
+              </a:rPr>
+              <a:t>www.irasutoya.com</a:t>
+            </a:r>
+            <a:endParaRPr lang="ja-JP" altLang="en-US" dirty="0"/>
+          </a:p>
+        </p:txBody>
+      </p:sp>
+      <p:pic>
+        <p:nvPicPr>
+          <p:cNvPr id="1026" name="Picture 2" descr="手洗いのイラスト（水ですすぐ）">
+            <a:extLst>
+              <a:ext uri="{FF2B5EF4-FFF2-40B4-BE49-F238E27FC236}">
+                <a16:creationId xmlns:a16="http://schemas.microsoft.com/office/drawing/2014/main" id="{3EBC7553-DA87-AEDE-905E-DD51CC9ADCBA}"/>
+              </a:ext>
+            </a:extLst>
+          </p:cNvPr>
+          <p:cNvPicPr>
+            <a:picLocks noChangeAspect="1" noChangeArrowheads="1"/>
+          </p:cNvPicPr>
+          <p:nvPr/>
+        </p:nvPicPr>
+        <p:blipFill>
+          <a:blip r:embed="rId3">
+            <a:extLst>
+              <a:ext uri="{28A0092B-C50C-407E-A947-70E740481C1C}">
+                <a14:useLocalDpi xmlns:a14="http://schemas.microsoft.com/office/drawing/2010/main" val="0"/>
+              </a:ext>
+            </a:extLst>
+          </a:blip>
+          <a:srcRect/>
+          <a:stretch>
+            <a:fillRect/>
+          </a:stretch>
+        </p:blipFill>
+        <p:spPr bwMode="auto">
+          <a:xfrm>
+            <a:off x="703113" y="1930370"/>
+            <a:ext cx="3599946" cy="3870910"/>
+          </a:xfrm>
+          <a:prstGeom prst="rect">
+            <a:avLst/>
+          </a:prstGeom>
+          <a:noFill/>
+          <a:extLst>
+            <a:ext uri="{909E8E84-426E-40DD-AFC4-6F175D3DCCD1}">
+              <a14:hiddenFill xmlns:a14="http://schemas.microsoft.com/office/drawing/2010/main">
+                <a:solidFill>
+                  <a:srgbClr val="FFFFFF"/>
+                </a:solidFill>
+              </a14:hiddenFill>
+            </a:ext>
+          </a:extLst>
+        </p:spPr>
+      </p:pic>
+    </p:spTree>
+    <p:extLst>
+      <p:ext uri="{BB962C8B-B14F-4D97-AF65-F5344CB8AC3E}">
+        <p14:creationId xmlns:p14="http://schemas.microsoft.com/office/powerpoint/2010/main" val="3020113468"/>
+      </p:ext>
+    </p:extLst>
+  </p:cSld>
+  <p:clrMapOvr>
+    <a:masterClrMapping/>
+  </p:clrMapOvr>
+  <p:timing>
+    <p:tnLst>
+      <p:par>
+        <p:cTn id="1" dur="indefinite" restart="never" nodeType="tmRoot">
+          <p:childTnLst>
+            <p:seq concurrent="1" nextAc="seek">
+              <p:cTn id="2" dur="indefinite" nodeType="mainSeq">
+                <p:childTnLst>
+                  <p:par>
+                    <p:cTn id="3" fill="hold">
+                      <p:stCondLst>
+                        <p:cond delay="indefinite"/>
+                      </p:stCondLst>
+                      <p:childTnLst>
+                        <p:par>
+                          <p:cTn id="4" fill="hold">
+                            <p:stCondLst>
+                              <p:cond delay="0"/>
+                            </p:stCondLst>
+                            <p:childTnLst>
+                              <p:par>
+                                <p:cTn id="5" presetID="10" presetClass="entr" presetSubtype="0" fill="hold" grpId="0" nodeType="clickEffect">
+                                  <p:stCondLst>
+                                    <p:cond delay="0"/>
+                                  </p:stCondLst>
+                                  <p:childTnLst>
+                                    <p:set>
+                                      <p:cBhvr>
+                                        <p:cTn id="6" dur="1" fill="hold">
+                                          <p:stCondLst>
+                                            <p:cond delay="0"/>
+                                          </p:stCondLst>
+                                        </p:cTn>
+                                        <p:tgtEl>
+                                          <p:spTgt spid="7">
+                                            <p:txEl>
+                                              <p:pRg st="0" end="0"/>
+                                            </p:txEl>
+                                          </p:spTgt>
+                                        </p:tgtEl>
+                                        <p:attrNameLst>
+                                          <p:attrName>style.visibility</p:attrName>
+                                        </p:attrNameLst>
+                                      </p:cBhvr>
+                                      <p:to>
+                                        <p:strVal val="visible"/>
+                                      </p:to>
+                                    </p:set>
+                                    <p:animEffect transition="in" filter="fade">
+                                      <p:cBhvr>
+                                        <p:cTn id="7" dur="500"/>
+                                        <p:tgtEl>
+                                          <p:spTgt spid="7">
+                                            <p:txEl>
+                                              <p:pRg st="0" end="0"/>
+                                            </p:txEl>
+                                          </p:spTgt>
+                                        </p:tgtEl>
+                                      </p:cBhvr>
+                                    </p:animEffect>
+                                  </p:childTnLst>
+                                </p:cTn>
+                              </p:par>
+                            </p:childTnLst>
+                          </p:cTn>
+                        </p:par>
+                      </p:childTnLst>
+                    </p:cTn>
+                  </p:par>
+                  <p:par>
+                    <p:cTn id="8" fill="hold">
+                      <p:stCondLst>
+                        <p:cond delay="indefinite"/>
+                      </p:stCondLst>
+                      <p:childTnLst>
+                        <p:par>
+                          <p:cTn id="9" fill="hold">
+                            <p:stCondLst>
+                              <p:cond delay="0"/>
+                            </p:stCondLst>
+                            <p:childTnLst>
+                              <p:par>
+                                <p:cTn id="10" presetID="10" presetClass="entr" presetSubtype="0" fill="hold" grpId="0" nodeType="clickEffect">
+                                  <p:stCondLst>
+                                    <p:cond delay="0"/>
+                                  </p:stCondLst>
+                                  <p:childTnLst>
+                                    <p:set>
+                                      <p:cBhvr>
+                                        <p:cTn id="11" dur="1" fill="hold">
+                                          <p:stCondLst>
+                                            <p:cond delay="0"/>
+                                          </p:stCondLst>
+                                        </p:cTn>
+                                        <p:tgtEl>
+                                          <p:spTgt spid="7">
+                                            <p:txEl>
+                                              <p:pRg st="1" end="1"/>
+                                            </p:txEl>
+                                          </p:spTgt>
+                                        </p:tgtEl>
+                                        <p:attrNameLst>
+                                          <p:attrName>style.visibility</p:attrName>
+                                        </p:attrNameLst>
+                                      </p:cBhvr>
+                                      <p:to>
+                                        <p:strVal val="visible"/>
+                                      </p:to>
+                                    </p:set>
+                                    <p:animEffect transition="in" filter="fade">
+                                      <p:cBhvr>
+                                        <p:cTn id="12" dur="500"/>
+                                        <p:tgtEl>
+                                          <p:spTgt spid="7">
+                                            <p:txEl>
+                                              <p:pRg st="1" end="1"/>
+                                            </p:txEl>
+                                          </p:spTgt>
+                                        </p:tgtEl>
+                                      </p:cBhvr>
+                                    </p:animEffect>
+                                  </p:childTnLst>
+                                </p:cTn>
+                              </p:par>
+                            </p:childTnLst>
+                          </p:cTn>
+                        </p:par>
+                      </p:childTnLst>
+                    </p:cTn>
+                  </p:par>
+                  <p:par>
+                    <p:cTn id="13" fill="hold">
+                      <p:stCondLst>
+                        <p:cond delay="indefinite"/>
+                      </p:stCondLst>
+                      <p:childTnLst>
+                        <p:par>
+                          <p:cTn id="14" fill="hold">
+                            <p:stCondLst>
+                              <p:cond delay="0"/>
+                            </p:stCondLst>
+                            <p:childTnLst>
+                              <p:par>
+                                <p:cTn id="15" presetID="10" presetClass="entr" presetSubtype="0" fill="hold" grpId="0" nodeType="clickEffect">
+                                  <p:stCondLst>
+                                    <p:cond delay="0"/>
+                                  </p:stCondLst>
+                                  <p:childTnLst>
+                                    <p:set>
+                                      <p:cBhvr>
+                                        <p:cTn id="16" dur="1" fill="hold">
+                                          <p:stCondLst>
+                                            <p:cond delay="0"/>
+                                          </p:stCondLst>
+                                        </p:cTn>
+                                        <p:tgtEl>
+                                          <p:spTgt spid="7">
+                                            <p:txEl>
+                                              <p:pRg st="2" end="2"/>
+                                            </p:txEl>
+                                          </p:spTgt>
+                                        </p:tgtEl>
+                                        <p:attrNameLst>
+                                          <p:attrName>style.visibility</p:attrName>
+                                        </p:attrNameLst>
+                                      </p:cBhvr>
+                                      <p:to>
+                                        <p:strVal val="visible"/>
+                                      </p:to>
+                                    </p:set>
+                                    <p:animEffect transition="in" filter="fade">
+                                      <p:cBhvr>
+                                        <p:cTn id="17" dur="500"/>
+                                        <p:tgtEl>
+                                          <p:spTgt spid="7">
+                                            <p:txEl>
+                                              <p:pRg st="2" end="2"/>
+                                            </p:txEl>
+                                          </p:spTgt>
+                                        </p:tgtEl>
+                                      </p:cBhvr>
+                                    </p:animEffect>
+                                  </p:childTnLst>
+                                </p:cTn>
+                              </p:par>
+                            </p:childTnLst>
+                          </p:cTn>
+                        </p:par>
+                      </p:childTnLst>
+                    </p:cTn>
+                  </p:par>
+                </p:childTnLst>
+              </p:cTn>
+              <p:prevCondLst>
+                <p:cond evt="onPrev" delay="0">
+                  <p:tgtEl>
+                    <p:sldTgt/>
+                  </p:tgtEl>
+                </p:cond>
+              </p:prevCondLst>
+              <p:nextCondLst>
+                <p:cond evt="onNext" delay="0">
+                  <p:tgtEl>
+                    <p:sldTgt/>
+                  </p:tgtEl>
+                </p:cond>
+              </p:nextCondLst>
+            </p:seq>
+          </p:childTnLst>
+        </p:cTn>
+      </p:par>
+    </p:tnLst>
+    <p:bldLst>
+      <p:bldP spid="7" grpId="0" build="p"/>
+    </p:bldLst>
+  </p:timing>
+</p:sld>
+</file>
+
+<file path=ppt/slides/slide11.xml><?xml version="1.0" encoding="utf-8"?>
+<p:sld xmlns:a="http://schemas.openxmlformats.org/drawingml/2006/main" xmlns:r="http://schemas.openxmlformats.org/officeDocument/2006/relationships" xmlns:p="http://schemas.openxmlformats.org/presentationml/2006/main">
+  <p:cSld>
+    <p:spTree>
+      <p:nvGrpSpPr>
+        <p:cNvPr id="1" name="">
+          <a:extLst>
+            <a:ext uri="{FF2B5EF4-FFF2-40B4-BE49-F238E27FC236}">
+              <a16:creationId xmlns:a16="http://schemas.microsoft.com/office/drawing/2014/main" id="{64FD124C-57B0-8A60-0805-281AAF8086E7}"/>
+            </a:ext>
+          </a:extLst>
+        </p:cNvPr>
+        <p:cNvGrpSpPr/>
+        <p:nvPr/>
+      </p:nvGrpSpPr>
+      <p:grpSpPr>
+        <a:xfrm>
+          <a:off x="0" y="0"/>
+          <a:ext cx="0" cy="0"/>
+          <a:chOff x="0" y="0"/>
+          <a:chExt cx="0" cy="0"/>
+        </a:xfrm>
+      </p:grpSpPr>
+      <p:sp>
+        <p:nvSpPr>
+          <p:cNvPr id="6" name="テキスト プレースホルダー 5">
+            <a:extLst>
+              <a:ext uri="{FF2B5EF4-FFF2-40B4-BE49-F238E27FC236}">
+                <a16:creationId xmlns:a16="http://schemas.microsoft.com/office/drawing/2014/main" id="{66B69425-8B2F-C2C5-9E4E-2C5CE008FF4A}"/>
+              </a:ext>
+            </a:extLst>
+          </p:cNvPr>
+          <p:cNvSpPr>
+            <a:spLocks noGrp="1"/>
+          </p:cNvSpPr>
+          <p:nvPr>
+            <p:ph type="body" sz="quarter" idx="22"/>
+          </p:nvPr>
+        </p:nvSpPr>
+        <p:spPr/>
+        <p:txBody>
+          <a:bodyPr/>
+          <a:lstStyle/>
+          <a:p>
+            <a:r>
+              <a:rPr lang="en-US" altLang="ja-JP" dirty="0">
+                <a:hlinkClick r:id="rId2"/>
+              </a:rPr>
+              <a:t>www.irasutoya.com</a:t>
+            </a:r>
+            <a:endParaRPr lang="ja-JP" altLang="en-US" dirty="0"/>
+          </a:p>
+        </p:txBody>
+      </p:sp>
+      <p:sp>
+        <p:nvSpPr>
+          <p:cNvPr id="2" name="スライド番号プレースホルダー 1">
+            <a:extLst>
+              <a:ext uri="{FF2B5EF4-FFF2-40B4-BE49-F238E27FC236}">
+                <a16:creationId xmlns:a16="http://schemas.microsoft.com/office/drawing/2014/main" id="{EB009943-F553-7F76-B8E3-DDE9DCA1CA6C}"/>
+              </a:ext>
+            </a:extLst>
+          </p:cNvPr>
+          <p:cNvSpPr>
+            <a:spLocks noGrp="1"/>
+          </p:cNvSpPr>
+          <p:nvPr>
+            <p:ph type="sldNum" sz="quarter" idx="26"/>
+          </p:nvPr>
+        </p:nvSpPr>
+        <p:spPr/>
+        <p:txBody>
+          <a:bodyPr/>
+          <a:lstStyle/>
+          <a:p>
+            <a:fld id="{6408349E-6932-463E-ABE1-6FC2A2453113}" type="slidenum">
+              <a:rPr kumimoji="1" lang="ja-JP" altLang="en-US" smtClean="0"/>
+              <a:pPr/>
+              <a:t>11</a:t>
+            </a:fld>
+            <a:endParaRPr kumimoji="1" lang="ja-JP" altLang="en-US"/>
+          </a:p>
+        </p:txBody>
+      </p:sp>
+      <p:sp>
+        <p:nvSpPr>
+          <p:cNvPr id="7" name="テキスト プレースホルダー 6">
+            <a:extLst>
+              <a:ext uri="{FF2B5EF4-FFF2-40B4-BE49-F238E27FC236}">
+                <a16:creationId xmlns:a16="http://schemas.microsoft.com/office/drawing/2014/main" id="{67C68017-8AF2-AA9A-265C-E1D4909CC5F2}"/>
+              </a:ext>
+            </a:extLst>
+          </p:cNvPr>
+          <p:cNvSpPr>
+            <a:spLocks noGrp="1"/>
+          </p:cNvSpPr>
+          <p:nvPr>
+            <p:ph type="body" sz="quarter" idx="24"/>
+          </p:nvPr>
+        </p:nvSpPr>
+        <p:spPr/>
+        <p:txBody>
+          <a:bodyPr/>
+          <a:lstStyle/>
+          <a:p>
+            <a:r>
+              <a:rPr lang="ja-JP" altLang="en-US" dirty="0"/>
+              <a:t>水の温度は体温と同じ</a:t>
+            </a:r>
+            <a:r>
+              <a:rPr lang="en-US" altLang="ja-JP" dirty="0">
+                <a:solidFill>
+                  <a:schemeClr val="accent6"/>
+                </a:solidFill>
+              </a:rPr>
+              <a:t>36</a:t>
+            </a:r>
+            <a:r>
+              <a:rPr lang="ja-JP" altLang="en-US" dirty="0">
+                <a:solidFill>
+                  <a:schemeClr val="accent6"/>
+                </a:solidFill>
+              </a:rPr>
+              <a:t>℃程度</a:t>
+            </a:r>
+            <a:r>
+              <a:rPr lang="ja-JP" altLang="en-US" dirty="0"/>
+              <a:t>であれば</a:t>
+            </a:r>
+            <a:r>
+              <a:rPr lang="ja-JP" altLang="en-US" dirty="0">
+                <a:solidFill>
+                  <a:schemeClr val="accent6"/>
+                </a:solidFill>
+              </a:rPr>
+              <a:t>安全</a:t>
+            </a:r>
+            <a:r>
+              <a:rPr lang="ja-JP" altLang="en-US" dirty="0"/>
+              <a:t>．</a:t>
+            </a:r>
+            <a:endParaRPr lang="en-US" altLang="ja-JP" dirty="0"/>
+          </a:p>
+          <a:p>
+            <a:r>
+              <a:rPr lang="ja-JP" altLang="en-US" dirty="0"/>
+              <a:t>水が凍る温度</a:t>
+            </a:r>
+            <a:r>
+              <a:rPr lang="en-US" altLang="ja-JP" dirty="0">
+                <a:solidFill>
+                  <a:schemeClr val="accent6"/>
+                </a:solidFill>
+              </a:rPr>
+              <a:t>0</a:t>
+            </a:r>
+            <a:r>
+              <a:rPr lang="ja-JP" altLang="en-US" dirty="0">
+                <a:solidFill>
+                  <a:schemeClr val="accent6"/>
+                </a:solidFill>
+              </a:rPr>
+              <a:t>℃</a:t>
+            </a:r>
+            <a:r>
+              <a:rPr lang="ja-JP" altLang="en-US" dirty="0"/>
+              <a:t>であれば</a:t>
+            </a:r>
+            <a:r>
+              <a:rPr lang="ja-JP" altLang="en-US" dirty="0">
+                <a:solidFill>
+                  <a:schemeClr val="accent6"/>
+                </a:solidFill>
+              </a:rPr>
+              <a:t>凍傷</a:t>
+            </a:r>
+            <a:r>
+              <a:rPr lang="ja-JP" altLang="en-US" dirty="0"/>
+              <a:t>を引き起こす．</a:t>
+            </a:r>
+            <a:endParaRPr lang="en-US" altLang="ja-JP" dirty="0"/>
+          </a:p>
+          <a:p>
+            <a:r>
+              <a:rPr lang="ja-JP" altLang="en-US" dirty="0"/>
+              <a:t>水が沸騰する温度</a:t>
+            </a:r>
+            <a:r>
+              <a:rPr lang="en-US" altLang="ja-JP" dirty="0">
+                <a:solidFill>
+                  <a:schemeClr val="accent6"/>
+                </a:solidFill>
+              </a:rPr>
+              <a:t>100</a:t>
+            </a:r>
+            <a:r>
+              <a:rPr lang="ja-JP" altLang="en-US" dirty="0">
+                <a:solidFill>
+                  <a:schemeClr val="accent6"/>
+                </a:solidFill>
+              </a:rPr>
+              <a:t>℃</a:t>
+            </a:r>
+            <a:r>
+              <a:rPr lang="ja-JP" altLang="en-US" dirty="0"/>
+              <a:t>であれば</a:t>
+            </a:r>
+            <a:r>
+              <a:rPr lang="ja-JP" altLang="en-US" dirty="0">
+                <a:solidFill>
+                  <a:schemeClr val="accent6"/>
+                </a:solidFill>
+              </a:rPr>
+              <a:t>火傷</a:t>
+            </a:r>
+            <a:r>
+              <a:rPr lang="ja-JP" altLang="en-US" dirty="0"/>
+              <a:t>する．</a:t>
+            </a:r>
+          </a:p>
+        </p:txBody>
+      </p:sp>
+      <p:sp>
+        <p:nvSpPr>
+          <p:cNvPr id="4" name="タイトル 3">
+            <a:extLst>
+              <a:ext uri="{FF2B5EF4-FFF2-40B4-BE49-F238E27FC236}">
+                <a16:creationId xmlns:a16="http://schemas.microsoft.com/office/drawing/2014/main" id="{B1B55382-2EC5-9DAB-1A10-BC0E9DD81F15}"/>
+              </a:ext>
+            </a:extLst>
+          </p:cNvPr>
+          <p:cNvSpPr>
+            <a:spLocks noGrp="1"/>
+          </p:cNvSpPr>
+          <p:nvPr>
+            <p:ph type="title"/>
+          </p:nvPr>
+        </p:nvSpPr>
+        <p:spPr/>
+        <p:txBody>
+          <a:bodyPr/>
+          <a:lstStyle/>
+          <a:p>
+            <a:r>
+              <a:rPr kumimoji="1" lang="ja-JP" altLang="en-US" sz="3600" dirty="0"/>
+              <a:t>シーベルトは「</a:t>
+            </a:r>
+            <a:r>
+              <a:rPr kumimoji="1" lang="ja-JP" altLang="en-US" sz="3600" dirty="0">
+                <a:solidFill>
+                  <a:schemeClr val="accent6"/>
+                </a:solidFill>
+              </a:rPr>
+              <a:t>身体への影響</a:t>
+            </a:r>
+            <a:r>
+              <a:rPr kumimoji="1" lang="ja-JP" altLang="en-US" sz="3600" dirty="0"/>
+              <a:t>の強さ」である</a:t>
+            </a:r>
+          </a:p>
+        </p:txBody>
+      </p:sp>
+      <p:pic>
+        <p:nvPicPr>
+          <p:cNvPr id="8" name="Picture 10" descr="やけどのイラスト（男性）">
+            <a:extLst>
+              <a:ext uri="{FF2B5EF4-FFF2-40B4-BE49-F238E27FC236}">
+                <a16:creationId xmlns:a16="http://schemas.microsoft.com/office/drawing/2014/main" id="{FB2EFC05-5A8E-624A-4929-07F45B622019}"/>
+              </a:ext>
+            </a:extLst>
+          </p:cNvPr>
+          <p:cNvPicPr>
+            <a:picLocks noChangeAspect="1" noChangeArrowheads="1"/>
+          </p:cNvPicPr>
+          <p:nvPr/>
+        </p:nvPicPr>
+        <p:blipFill>
+          <a:blip r:embed="rId3">
+            <a:extLst>
+              <a:ext uri="{28A0092B-C50C-407E-A947-70E740481C1C}">
+                <a14:useLocalDpi xmlns:a14="http://schemas.microsoft.com/office/drawing/2010/main" val="0"/>
+              </a:ext>
+            </a:extLst>
+          </a:blip>
+          <a:srcRect/>
+          <a:stretch>
+            <a:fillRect/>
+          </a:stretch>
+        </p:blipFill>
+        <p:spPr bwMode="auto">
+          <a:xfrm>
+            <a:off x="380276" y="1781448"/>
+            <a:ext cx="4365684" cy="4092827"/>
+          </a:xfrm>
+          <a:prstGeom prst="rect">
+            <a:avLst/>
+          </a:prstGeom>
+          <a:noFill/>
+          <a:extLst>
+            <a:ext uri="{909E8E84-426E-40DD-AFC4-6F175D3DCCD1}">
+              <a14:hiddenFill xmlns:a14="http://schemas.microsoft.com/office/drawing/2010/main">
+                <a:solidFill>
+                  <a:srgbClr val="FFFFFF"/>
+                </a:solidFill>
+              </a14:hiddenFill>
+            </a:ext>
+          </a:extLst>
+        </p:spPr>
+      </p:pic>
+    </p:spTree>
+    <p:extLst>
+      <p:ext uri="{BB962C8B-B14F-4D97-AF65-F5344CB8AC3E}">
+        <p14:creationId xmlns:p14="http://schemas.microsoft.com/office/powerpoint/2010/main" val="1562760907"/>
+      </p:ext>
+    </p:extLst>
+  </p:cSld>
+  <p:clrMapOvr>
+    <a:masterClrMapping/>
+  </p:clrMapOvr>
+  <p:timing>
+    <p:tnLst>
+      <p:par>
+        <p:cTn id="1" dur="indefinite" restart="never" nodeType="tmRoot">
+          <p:childTnLst>
+            <p:seq concurrent="1" nextAc="seek">
+              <p:cTn id="2" dur="indefinite" nodeType="mainSeq">
+                <p:childTnLst>
+                  <p:par>
+                    <p:cTn id="3" fill="hold">
+                      <p:stCondLst>
+                        <p:cond delay="indefinite"/>
+                      </p:stCondLst>
+                      <p:childTnLst>
+                        <p:par>
+                          <p:cTn id="4" fill="hold">
+                            <p:stCondLst>
+                              <p:cond delay="0"/>
+                            </p:stCondLst>
+                            <p:childTnLst>
+                              <p:par>
+                                <p:cTn id="5" presetID="10" presetClass="entr" presetSubtype="0" fill="hold" grpId="0" nodeType="clickEffect">
+                                  <p:stCondLst>
+                                    <p:cond delay="0"/>
+                                  </p:stCondLst>
+                                  <p:childTnLst>
+                                    <p:set>
+                                      <p:cBhvr>
+                                        <p:cTn id="6" dur="1" fill="hold">
+                                          <p:stCondLst>
+                                            <p:cond delay="0"/>
+                                          </p:stCondLst>
+                                        </p:cTn>
+                                        <p:tgtEl>
+                                          <p:spTgt spid="7">
+                                            <p:txEl>
+                                              <p:pRg st="0" end="0"/>
+                                            </p:txEl>
+                                          </p:spTgt>
+                                        </p:tgtEl>
+                                        <p:attrNameLst>
+                                          <p:attrName>style.visibility</p:attrName>
+                                        </p:attrNameLst>
+                                      </p:cBhvr>
+                                      <p:to>
+                                        <p:strVal val="visible"/>
+                                      </p:to>
+                                    </p:set>
+                                    <p:animEffect transition="in" filter="fade">
+                                      <p:cBhvr>
+                                        <p:cTn id="7" dur="500"/>
+                                        <p:tgtEl>
+                                          <p:spTgt spid="7">
+                                            <p:txEl>
+                                              <p:pRg st="0" end="0"/>
+                                            </p:txEl>
+                                          </p:spTgt>
+                                        </p:tgtEl>
+                                      </p:cBhvr>
+                                    </p:animEffect>
+                                  </p:childTnLst>
+                                </p:cTn>
+                              </p:par>
+                            </p:childTnLst>
+                          </p:cTn>
+                        </p:par>
+                      </p:childTnLst>
+                    </p:cTn>
+                  </p:par>
+                  <p:par>
+                    <p:cTn id="8" fill="hold">
+                      <p:stCondLst>
+                        <p:cond delay="indefinite"/>
+                      </p:stCondLst>
+                      <p:childTnLst>
+                        <p:par>
+                          <p:cTn id="9" fill="hold">
+                            <p:stCondLst>
+                              <p:cond delay="0"/>
+                            </p:stCondLst>
+                            <p:childTnLst>
+                              <p:par>
+                                <p:cTn id="10" presetID="10" presetClass="entr" presetSubtype="0" fill="hold" grpId="0" nodeType="clickEffect">
+                                  <p:stCondLst>
+                                    <p:cond delay="0"/>
+                                  </p:stCondLst>
+                                  <p:childTnLst>
+                                    <p:set>
+                                      <p:cBhvr>
+                                        <p:cTn id="11" dur="1" fill="hold">
+                                          <p:stCondLst>
+                                            <p:cond delay="0"/>
+                                          </p:stCondLst>
+                                        </p:cTn>
+                                        <p:tgtEl>
+                                          <p:spTgt spid="7">
+                                            <p:txEl>
+                                              <p:pRg st="1" end="1"/>
+                                            </p:txEl>
+                                          </p:spTgt>
+                                        </p:tgtEl>
+                                        <p:attrNameLst>
+                                          <p:attrName>style.visibility</p:attrName>
+                                        </p:attrNameLst>
+                                      </p:cBhvr>
+                                      <p:to>
+                                        <p:strVal val="visible"/>
+                                      </p:to>
+                                    </p:set>
+                                    <p:animEffect transition="in" filter="fade">
+                                      <p:cBhvr>
+                                        <p:cTn id="12" dur="500"/>
+                                        <p:tgtEl>
+                                          <p:spTgt spid="7">
+                                            <p:txEl>
+                                              <p:pRg st="1" end="1"/>
+                                            </p:txEl>
+                                          </p:spTgt>
+                                        </p:tgtEl>
+                                      </p:cBhvr>
+                                    </p:animEffect>
+                                  </p:childTnLst>
+                                </p:cTn>
+                              </p:par>
+                            </p:childTnLst>
+                          </p:cTn>
+                        </p:par>
+                      </p:childTnLst>
+                    </p:cTn>
+                  </p:par>
+                  <p:par>
+                    <p:cTn id="13" fill="hold">
+                      <p:stCondLst>
+                        <p:cond delay="indefinite"/>
+                      </p:stCondLst>
+                      <p:childTnLst>
+                        <p:par>
+                          <p:cTn id="14" fill="hold">
+                            <p:stCondLst>
+                              <p:cond delay="0"/>
+                            </p:stCondLst>
+                            <p:childTnLst>
+                              <p:par>
+                                <p:cTn id="15" presetID="10" presetClass="entr" presetSubtype="0" fill="hold" grpId="0" nodeType="clickEffect">
+                                  <p:stCondLst>
+                                    <p:cond delay="0"/>
+                                  </p:stCondLst>
+                                  <p:childTnLst>
+                                    <p:set>
+                                      <p:cBhvr>
+                                        <p:cTn id="16" dur="1" fill="hold">
+                                          <p:stCondLst>
+                                            <p:cond delay="0"/>
+                                          </p:stCondLst>
+                                        </p:cTn>
+                                        <p:tgtEl>
+                                          <p:spTgt spid="7">
+                                            <p:txEl>
+                                              <p:pRg st="2" end="2"/>
+                                            </p:txEl>
+                                          </p:spTgt>
+                                        </p:tgtEl>
+                                        <p:attrNameLst>
+                                          <p:attrName>style.visibility</p:attrName>
+                                        </p:attrNameLst>
+                                      </p:cBhvr>
+                                      <p:to>
+                                        <p:strVal val="visible"/>
+                                      </p:to>
+                                    </p:set>
+                                    <p:animEffect transition="in" filter="fade">
+                                      <p:cBhvr>
+                                        <p:cTn id="17" dur="500"/>
+                                        <p:tgtEl>
+                                          <p:spTgt spid="7">
+                                            <p:txEl>
+                                              <p:pRg st="2" end="2"/>
+                                            </p:txEl>
+                                          </p:spTgt>
+                                        </p:tgtEl>
+                                      </p:cBhvr>
+                                    </p:animEffect>
+                                  </p:childTnLst>
+                                </p:cTn>
+                              </p:par>
+                            </p:childTnLst>
+                          </p:cTn>
+                        </p:par>
+                      </p:childTnLst>
+                    </p:cTn>
+                  </p:par>
+                </p:childTnLst>
+              </p:cTn>
+              <p:prevCondLst>
+                <p:cond evt="onPrev" delay="0">
+                  <p:tgtEl>
+                    <p:sldTgt/>
+                  </p:tgtEl>
+                </p:cond>
+              </p:prevCondLst>
+              <p:nextCondLst>
+                <p:cond evt="onNext" delay="0">
+                  <p:tgtEl>
+                    <p:sldTgt/>
+                  </p:tgtEl>
+                </p:cond>
+              </p:nextCondLst>
+            </p:seq>
+          </p:childTnLst>
+        </p:cTn>
+      </p:par>
+    </p:tnLst>
+    <p:bldLst>
+      <p:bldP spid="7" grpId="0" build="p"/>
+    </p:bldLst>
+  </p:timing>
 </p:sld>
 </file>
 
@@ -16879,6 +17899,988 @@
 </p:sld>
 </file>
 
+<file path=ppt/slides/slide8.xml><?xml version="1.0" encoding="utf-8"?>
+<p:sld xmlns:a="http://schemas.openxmlformats.org/drawingml/2006/main" xmlns:r="http://schemas.openxmlformats.org/officeDocument/2006/relationships" xmlns:p="http://schemas.openxmlformats.org/presentationml/2006/main">
+  <p:cSld>
+    <p:spTree>
+      <p:nvGrpSpPr>
+        <p:cNvPr id="1" name=""/>
+        <p:cNvGrpSpPr/>
+        <p:nvPr/>
+      </p:nvGrpSpPr>
+      <p:grpSpPr>
+        <a:xfrm>
+          <a:off x="0" y="0"/>
+          <a:ext cx="0" cy="0"/>
+          <a:chOff x="0" y="0"/>
+          <a:chExt cx="0" cy="0"/>
+        </a:xfrm>
+      </p:grpSpPr>
+      <p:sp>
+        <p:nvSpPr>
+          <p:cNvPr id="2" name="スライド番号プレースホルダー 1">
+            <a:extLst>
+              <a:ext uri="{FF2B5EF4-FFF2-40B4-BE49-F238E27FC236}">
+                <a16:creationId xmlns:a16="http://schemas.microsoft.com/office/drawing/2014/main" id="{08F56918-D138-4A05-AD52-0D951D046983}"/>
+              </a:ext>
+            </a:extLst>
+          </p:cNvPr>
+          <p:cNvSpPr>
+            <a:spLocks noGrp="1"/>
+          </p:cNvSpPr>
+          <p:nvPr>
+            <p:ph type="sldNum" sz="quarter" idx="26"/>
+          </p:nvPr>
+        </p:nvSpPr>
+        <p:spPr/>
+        <p:txBody>
+          <a:bodyPr/>
+          <a:lstStyle/>
+          <a:p>
+            <a:fld id="{6408349E-6932-463E-ABE1-6FC2A2453113}" type="slidenum">
+              <a:rPr kumimoji="1" lang="ja-JP" altLang="en-US" smtClean="0"/>
+              <a:pPr/>
+              <a:t>8</a:t>
+            </a:fld>
+            <a:endParaRPr kumimoji="1" lang="ja-JP" altLang="en-US"/>
+          </a:p>
+        </p:txBody>
+      </p:sp>
+      <p:sp>
+        <p:nvSpPr>
+          <p:cNvPr id="3" name="テキスト プレースホルダー 2">
+            <a:extLst>
+              <a:ext uri="{FF2B5EF4-FFF2-40B4-BE49-F238E27FC236}">
+                <a16:creationId xmlns:a16="http://schemas.microsoft.com/office/drawing/2014/main" id="{6A5A7EAD-2F9C-8529-E6BE-2860041E5478}"/>
+              </a:ext>
+            </a:extLst>
+          </p:cNvPr>
+          <p:cNvSpPr>
+            <a:spLocks noGrp="1"/>
+          </p:cNvSpPr>
+          <p:nvPr>
+            <p:ph type="body" sz="quarter" idx="24"/>
+          </p:nvPr>
+        </p:nvSpPr>
+        <p:spPr/>
+        <p:txBody>
+          <a:bodyPr/>
+          <a:lstStyle/>
+          <a:p>
+            <a:endParaRPr kumimoji="1" lang="ja-JP" altLang="en-US"/>
+          </a:p>
+        </p:txBody>
+      </p:sp>
+      <p:sp>
+        <p:nvSpPr>
+          <p:cNvPr id="4" name="タイトル 3">
+            <a:extLst>
+              <a:ext uri="{FF2B5EF4-FFF2-40B4-BE49-F238E27FC236}">
+                <a16:creationId xmlns:a16="http://schemas.microsoft.com/office/drawing/2014/main" id="{9D7900FA-7DB7-0575-D958-CAE7E05FCADB}"/>
+              </a:ext>
+            </a:extLst>
+          </p:cNvPr>
+          <p:cNvSpPr>
+            <a:spLocks noGrp="1"/>
+          </p:cNvSpPr>
+          <p:nvPr>
+            <p:ph type="title"/>
+          </p:nvPr>
+        </p:nvSpPr>
+        <p:spPr/>
+        <p:txBody>
+          <a:bodyPr/>
+          <a:lstStyle/>
+          <a:p>
+            <a:r>
+              <a:rPr kumimoji="1" lang="ja-JP" altLang="en-US" dirty="0"/>
+              <a:t>放射線とは？</a:t>
+            </a:r>
+          </a:p>
+        </p:txBody>
+      </p:sp>
+      <p:sp>
+        <p:nvSpPr>
+          <p:cNvPr id="5" name="テキスト プレースホルダー 4">
+            <a:extLst>
+              <a:ext uri="{FF2B5EF4-FFF2-40B4-BE49-F238E27FC236}">
+                <a16:creationId xmlns:a16="http://schemas.microsoft.com/office/drawing/2014/main" id="{6FAD1B26-E2AA-5A3E-A7E3-B715D6DAB5B8}"/>
+              </a:ext>
+            </a:extLst>
+          </p:cNvPr>
+          <p:cNvSpPr>
+            <a:spLocks noGrp="1"/>
+          </p:cNvSpPr>
+          <p:nvPr>
+            <p:ph type="body" sz="quarter" idx="22"/>
+          </p:nvPr>
+        </p:nvSpPr>
+        <p:spPr/>
+        <p:txBody>
+          <a:bodyPr/>
+          <a:lstStyle/>
+          <a:p>
+            <a:endParaRPr kumimoji="1" lang="ja-JP" altLang="en-US"/>
+          </a:p>
+        </p:txBody>
+      </p:sp>
+    </p:spTree>
+    <p:extLst>
+      <p:ext uri="{BB962C8B-B14F-4D97-AF65-F5344CB8AC3E}">
+        <p14:creationId xmlns:p14="http://schemas.microsoft.com/office/powerpoint/2010/main" val="1390522521"/>
+      </p:ext>
+    </p:extLst>
+  </p:cSld>
+  <p:clrMapOvr>
+    <a:masterClrMapping/>
+  </p:clrMapOvr>
+</p:sld>
+</file>
+
+<file path=ppt/slides/slide9.xml><?xml version="1.0" encoding="utf-8"?>
+<p:sld xmlns:a="http://schemas.openxmlformats.org/drawingml/2006/main" xmlns:r="http://schemas.openxmlformats.org/officeDocument/2006/relationships" xmlns:p="http://schemas.openxmlformats.org/presentationml/2006/main">
+  <p:cSld>
+    <p:spTree>
+      <p:nvGrpSpPr>
+        <p:cNvPr id="1" name=""/>
+        <p:cNvGrpSpPr/>
+        <p:nvPr/>
+      </p:nvGrpSpPr>
+      <p:grpSpPr>
+        <a:xfrm>
+          <a:off x="0" y="0"/>
+          <a:ext cx="0" cy="0"/>
+          <a:chOff x="0" y="0"/>
+          <a:chExt cx="0" cy="0"/>
+        </a:xfrm>
+      </p:grpSpPr>
+      <p:sp>
+        <p:nvSpPr>
+          <p:cNvPr id="2" name="スライド番号プレースホルダー 1">
+            <a:extLst>
+              <a:ext uri="{FF2B5EF4-FFF2-40B4-BE49-F238E27FC236}">
+                <a16:creationId xmlns:a16="http://schemas.microsoft.com/office/drawing/2014/main" id="{AEA9D542-E579-4BD4-17F9-6DDCE2A93018}"/>
+              </a:ext>
+            </a:extLst>
+          </p:cNvPr>
+          <p:cNvSpPr>
+            <a:spLocks noGrp="1"/>
+          </p:cNvSpPr>
+          <p:nvPr>
+            <p:ph type="sldNum" sz="quarter" idx="26"/>
+          </p:nvPr>
+        </p:nvSpPr>
+        <p:spPr/>
+        <p:txBody>
+          <a:bodyPr/>
+          <a:lstStyle/>
+          <a:p>
+            <a:fld id="{6408349E-6932-463E-ABE1-6FC2A2453113}" type="slidenum">
+              <a:rPr kumimoji="1" lang="ja-JP" altLang="en-US" smtClean="0"/>
+              <a:pPr/>
+              <a:t>9</a:t>
+            </a:fld>
+            <a:endParaRPr kumimoji="1" lang="ja-JP" altLang="en-US"/>
+          </a:p>
+        </p:txBody>
+      </p:sp>
+      <p:sp>
+        <p:nvSpPr>
+          <p:cNvPr id="19" name="テキスト プレースホルダー 18">
+            <a:extLst>
+              <a:ext uri="{FF2B5EF4-FFF2-40B4-BE49-F238E27FC236}">
+                <a16:creationId xmlns:a16="http://schemas.microsoft.com/office/drawing/2014/main" id="{F0D6E356-A1E4-697B-74CE-F72E48CA39A6}"/>
+              </a:ext>
+            </a:extLst>
+          </p:cNvPr>
+          <p:cNvSpPr>
+            <a:spLocks noGrp="1"/>
+          </p:cNvSpPr>
+          <p:nvPr>
+            <p:ph type="body" sz="quarter" idx="24"/>
+          </p:nvPr>
+        </p:nvSpPr>
+        <p:spPr>
+          <a:xfrm>
+            <a:off x="0" y="4385887"/>
+            <a:ext cx="9906000" cy="2472106"/>
+          </a:xfrm>
+        </p:spPr>
+        <p:txBody>
+          <a:bodyPr/>
+          <a:lstStyle/>
+          <a:p>
+            <a:r>
+              <a:rPr lang="ja-JP" altLang="en-US" dirty="0"/>
+              <a:t>少し流れる強さ（</a:t>
+            </a:r>
+            <a:r>
+              <a:rPr lang="en-US" altLang="ja-JP" dirty="0"/>
+              <a:t>α</a:t>
+            </a:r>
+            <a:r>
+              <a:rPr lang="ja-JP" altLang="en-US" dirty="0"/>
+              <a:t>線，</a:t>
+            </a:r>
+            <a:r>
+              <a:rPr lang="en-US" altLang="ja-JP" dirty="0"/>
+              <a:t>β</a:t>
+            </a:r>
+            <a:r>
+              <a:rPr lang="ja-JP" altLang="en-US" dirty="0"/>
+              <a:t>線など）では，</a:t>
+            </a:r>
+            <a:r>
+              <a:rPr lang="ja-JP" altLang="en-US" dirty="0">
+                <a:solidFill>
+                  <a:schemeClr val="accent6"/>
+                </a:solidFill>
+              </a:rPr>
+              <a:t>紙すら通り抜けない</a:t>
+            </a:r>
+            <a:r>
+              <a:rPr lang="ja-JP" altLang="en-US" dirty="0"/>
+              <a:t>．</a:t>
+            </a:r>
+            <a:endParaRPr lang="en-US" altLang="ja-JP" dirty="0"/>
+          </a:p>
+          <a:p>
+            <a:r>
+              <a:rPr lang="ja-JP" altLang="en-US" dirty="0"/>
+              <a:t>勢いが強い（</a:t>
+            </a:r>
+            <a:r>
+              <a:rPr lang="en-US" altLang="ja-JP" dirty="0"/>
+              <a:t>X</a:t>
+            </a:r>
+            <a:r>
+              <a:rPr lang="ja-JP" altLang="en-US" dirty="0"/>
+              <a:t>線，中性子線など）と</a:t>
+            </a:r>
+            <a:r>
+              <a:rPr lang="ja-JP" altLang="en-US" dirty="0">
+                <a:solidFill>
+                  <a:schemeClr val="accent6"/>
+                </a:solidFill>
+              </a:rPr>
+              <a:t>紙や厚い金属板などでも通り抜ける</a:t>
+            </a:r>
+            <a:r>
+              <a:rPr lang="ja-JP" altLang="en-US" dirty="0"/>
+              <a:t>．</a:t>
+            </a:r>
+          </a:p>
+        </p:txBody>
+      </p:sp>
+      <p:sp>
+        <p:nvSpPr>
+          <p:cNvPr id="4" name="タイトル 3">
+            <a:extLst>
+              <a:ext uri="{FF2B5EF4-FFF2-40B4-BE49-F238E27FC236}">
+                <a16:creationId xmlns:a16="http://schemas.microsoft.com/office/drawing/2014/main" id="{6A4EF055-22C6-70EE-2AF1-7D85C97FBC7F}"/>
+              </a:ext>
+            </a:extLst>
+          </p:cNvPr>
+          <p:cNvSpPr>
+            <a:spLocks noGrp="1"/>
+          </p:cNvSpPr>
+          <p:nvPr>
+            <p:ph type="title"/>
+          </p:nvPr>
+        </p:nvSpPr>
+        <p:spPr/>
+        <p:txBody>
+          <a:bodyPr/>
+          <a:lstStyle/>
+          <a:p>
+            <a:r>
+              <a:rPr kumimoji="1" lang="ja-JP" altLang="en-US" sz="3400" dirty="0"/>
+              <a:t>ベクレルは「蛇口から流れる</a:t>
+            </a:r>
+            <a:r>
+              <a:rPr kumimoji="1" lang="ja-JP" altLang="en-US" sz="3400" dirty="0">
+                <a:solidFill>
+                  <a:schemeClr val="accent6"/>
+                </a:solidFill>
+              </a:rPr>
+              <a:t>水の勢い</a:t>
+            </a:r>
+            <a:r>
+              <a:rPr kumimoji="1" lang="ja-JP" altLang="en-US" sz="3400" dirty="0"/>
+              <a:t>」である</a:t>
+            </a:r>
+          </a:p>
+        </p:txBody>
+      </p:sp>
+      <p:grpSp>
+        <p:nvGrpSpPr>
+          <p:cNvPr id="23" name="グループ化 22">
+            <a:extLst>
+              <a:ext uri="{FF2B5EF4-FFF2-40B4-BE49-F238E27FC236}">
+                <a16:creationId xmlns:a16="http://schemas.microsoft.com/office/drawing/2014/main" id="{07306644-6662-4878-05E7-BE5467349DD5}"/>
+              </a:ext>
+            </a:extLst>
+          </p:cNvPr>
+          <p:cNvGrpSpPr/>
+          <p:nvPr/>
+        </p:nvGrpSpPr>
+        <p:grpSpPr>
+          <a:xfrm>
+            <a:off x="1142778" y="1364935"/>
+            <a:ext cx="1801509" cy="2923228"/>
+            <a:chOff x="1142778" y="1364935"/>
+            <a:chExt cx="1801509" cy="2923228"/>
+          </a:xfrm>
+        </p:grpSpPr>
+        <p:pic>
+          <p:nvPicPr>
+            <p:cNvPr id="1028" name="Picture 4" descr="蛇口のイラスト">
+              <a:extLst>
+                <a:ext uri="{FF2B5EF4-FFF2-40B4-BE49-F238E27FC236}">
+                  <a16:creationId xmlns:a16="http://schemas.microsoft.com/office/drawing/2014/main" id="{AD5F250E-980A-5A4F-8B61-EAE876FE5C11}"/>
+                </a:ext>
+              </a:extLst>
+            </p:cNvPr>
+            <p:cNvPicPr>
+              <a:picLocks noChangeAspect="1"/>
+            </p:cNvPicPr>
+            <p:nvPr/>
+          </p:nvPicPr>
+          <p:blipFill>
+            <a:blip r:embed="rId2">
+              <a:extLst>
+                <a:ext uri="{28A0092B-C50C-407E-A947-70E740481C1C}">
+                  <a14:useLocalDpi xmlns:a14="http://schemas.microsoft.com/office/drawing/2010/main" val="0"/>
+                </a:ext>
+              </a:extLst>
+            </a:blip>
+            <a:srcRect/>
+            <a:stretch>
+              <a:fillRect/>
+            </a:stretch>
+          </p:blipFill>
+          <p:spPr bwMode="auto">
+            <a:xfrm>
+              <a:off x="1142778" y="1364935"/>
+              <a:ext cx="1801509" cy="1896326"/>
+            </a:xfrm>
+            <a:prstGeom prst="rect">
+              <a:avLst/>
+            </a:prstGeom>
+            <a:noFill/>
+            <a:extLst>
+              <a:ext uri="{909E8E84-426E-40DD-AFC4-6F175D3DCCD1}">
+                <a14:hiddenFill xmlns:a14="http://schemas.microsoft.com/office/drawing/2010/main">
+                  <a:solidFill>
+                    <a:srgbClr val="FFFFFF"/>
+                  </a:solidFill>
+                </a14:hiddenFill>
+              </a:ext>
+            </a:extLst>
+          </p:spPr>
+        </p:pic>
+        <p:sp>
+          <p:nvSpPr>
+            <p:cNvPr id="9" name="テキスト ボックス 8">
+              <a:extLst>
+                <a:ext uri="{FF2B5EF4-FFF2-40B4-BE49-F238E27FC236}">
+                  <a16:creationId xmlns:a16="http://schemas.microsoft.com/office/drawing/2014/main" id="{FFF76F18-70AC-0DC3-F9EA-6E665CCF772F}"/>
+                </a:ext>
+              </a:extLst>
+            </p:cNvPr>
+            <p:cNvSpPr txBox="1">
+              <a:spLocks/>
+            </p:cNvSpPr>
+            <p:nvPr/>
+          </p:nvSpPr>
+          <p:spPr>
+            <a:xfrm>
+              <a:off x="1182919" y="3826498"/>
+              <a:ext cx="1721226" cy="461665"/>
+            </a:xfrm>
+            <a:prstGeom prst="rect">
+              <a:avLst/>
+            </a:prstGeom>
+          </p:spPr>
+          <p:style>
+            <a:lnRef idx="1">
+              <a:schemeClr val="accent2"/>
+            </a:lnRef>
+            <a:fillRef idx="2">
+              <a:schemeClr val="accent2"/>
+            </a:fillRef>
+            <a:effectRef idx="1">
+              <a:schemeClr val="accent2"/>
+            </a:effectRef>
+            <a:fontRef idx="minor">
+              <a:schemeClr val="dk1"/>
+            </a:fontRef>
+          </p:style>
+          <p:txBody>
+            <a:bodyPr wrap="square" rtlCol="0">
+              <a:spAutoFit/>
+            </a:bodyPr>
+            <a:lstStyle/>
+            <a:p>
+              <a:r>
+                <a:rPr kumimoji="1" lang="ja-JP" altLang="en-US" sz="2400" dirty="0"/>
+                <a:t>勢いが</a:t>
+              </a:r>
+              <a:r>
+                <a:rPr kumimoji="1" lang="ja-JP" altLang="en-US" sz="2400" dirty="0">
+                  <a:solidFill>
+                    <a:schemeClr val="accent6"/>
+                  </a:solidFill>
+                </a:rPr>
+                <a:t>ない</a:t>
+              </a:r>
+            </a:p>
+          </p:txBody>
+        </p:sp>
+      </p:grpSp>
+      <p:grpSp>
+        <p:nvGrpSpPr>
+          <p:cNvPr id="24" name="グループ化 23">
+            <a:extLst>
+              <a:ext uri="{FF2B5EF4-FFF2-40B4-BE49-F238E27FC236}">
+                <a16:creationId xmlns:a16="http://schemas.microsoft.com/office/drawing/2014/main" id="{73B57EDE-057B-AFFB-07D5-EC7C59458A0D}"/>
+              </a:ext>
+            </a:extLst>
+          </p:cNvPr>
+          <p:cNvGrpSpPr/>
+          <p:nvPr/>
+        </p:nvGrpSpPr>
+        <p:grpSpPr>
+          <a:xfrm>
+            <a:off x="3832964" y="1364935"/>
+            <a:ext cx="2216102" cy="2923229"/>
+            <a:chOff x="3832964" y="1364935"/>
+            <a:chExt cx="2216102" cy="2923229"/>
+          </a:xfrm>
+        </p:grpSpPr>
+        <p:pic>
+          <p:nvPicPr>
+            <p:cNvPr id="1030" name="Picture 6" descr="蛇口からポタポタ垂れる水のイラスト">
+              <a:extLst>
+                <a:ext uri="{FF2B5EF4-FFF2-40B4-BE49-F238E27FC236}">
+                  <a16:creationId xmlns:a16="http://schemas.microsoft.com/office/drawing/2014/main" id="{71602D28-F995-829D-94ED-5F32D81E88DE}"/>
+                </a:ext>
+              </a:extLst>
+            </p:cNvPr>
+            <p:cNvPicPr>
+              <a:picLocks noChangeAspect="1"/>
+            </p:cNvPicPr>
+            <p:nvPr/>
+          </p:nvPicPr>
+          <p:blipFill>
+            <a:blip r:embed="rId3">
+              <a:extLst>
+                <a:ext uri="{28A0092B-C50C-407E-A947-70E740481C1C}">
+                  <a14:useLocalDpi xmlns:a14="http://schemas.microsoft.com/office/drawing/2010/main" val="0"/>
+                </a:ext>
+              </a:extLst>
+            </a:blip>
+            <a:srcRect/>
+            <a:stretch>
+              <a:fillRect/>
+            </a:stretch>
+          </p:blipFill>
+          <p:spPr bwMode="auto">
+            <a:xfrm>
+              <a:off x="3832964" y="1364935"/>
+              <a:ext cx="2216102" cy="2363841"/>
+            </a:xfrm>
+            <a:prstGeom prst="rect">
+              <a:avLst/>
+            </a:prstGeom>
+            <a:noFill/>
+            <a:extLst>
+              <a:ext uri="{909E8E84-426E-40DD-AFC4-6F175D3DCCD1}">
+                <a14:hiddenFill xmlns:a14="http://schemas.microsoft.com/office/drawing/2010/main">
+                  <a:solidFill>
+                    <a:srgbClr val="FFFFFF"/>
+                  </a:solidFill>
+                </a14:hiddenFill>
+              </a:ext>
+            </a:extLst>
+          </p:spPr>
+        </p:pic>
+        <p:sp>
+          <p:nvSpPr>
+            <p:cNvPr id="10" name="テキスト ボックス 9">
+              <a:extLst>
+                <a:ext uri="{FF2B5EF4-FFF2-40B4-BE49-F238E27FC236}">
+                  <a16:creationId xmlns:a16="http://schemas.microsoft.com/office/drawing/2014/main" id="{FEA6E62A-2D42-D018-C0F3-C7808C7ADF43}"/>
+                </a:ext>
+              </a:extLst>
+            </p:cNvPr>
+            <p:cNvSpPr txBox="1">
+              <a:spLocks/>
+            </p:cNvSpPr>
+            <p:nvPr/>
+          </p:nvSpPr>
+          <p:spPr>
+            <a:xfrm>
+              <a:off x="4080403" y="3826499"/>
+              <a:ext cx="1721225" cy="461665"/>
+            </a:xfrm>
+            <a:prstGeom prst="rect">
+              <a:avLst/>
+            </a:prstGeom>
+          </p:spPr>
+          <p:style>
+            <a:lnRef idx="1">
+              <a:schemeClr val="accent1"/>
+            </a:lnRef>
+            <a:fillRef idx="2">
+              <a:schemeClr val="accent1"/>
+            </a:fillRef>
+            <a:effectRef idx="1">
+              <a:schemeClr val="accent1"/>
+            </a:effectRef>
+            <a:fontRef idx="minor">
+              <a:schemeClr val="dk1"/>
+            </a:fontRef>
+          </p:style>
+          <p:txBody>
+            <a:bodyPr wrap="square" rtlCol="0">
+              <a:spAutoFit/>
+            </a:bodyPr>
+            <a:lstStyle/>
+            <a:p>
+              <a:r>
+                <a:rPr kumimoji="1" lang="ja-JP" altLang="en-US" sz="2400" dirty="0"/>
+                <a:t>勢いが</a:t>
+              </a:r>
+              <a:r>
+                <a:rPr kumimoji="1" lang="ja-JP" altLang="en-US" sz="2400" dirty="0">
+                  <a:solidFill>
+                    <a:schemeClr val="accent6"/>
+                  </a:solidFill>
+                </a:rPr>
+                <a:t>弱い</a:t>
+              </a:r>
+            </a:p>
+          </p:txBody>
+        </p:sp>
+      </p:grpSp>
+      <p:grpSp>
+        <p:nvGrpSpPr>
+          <p:cNvPr id="25" name="グループ化 24">
+            <a:extLst>
+              <a:ext uri="{FF2B5EF4-FFF2-40B4-BE49-F238E27FC236}">
+                <a16:creationId xmlns:a16="http://schemas.microsoft.com/office/drawing/2014/main" id="{E26652C4-731F-898A-1A60-50FCD871BA21}"/>
+              </a:ext>
+            </a:extLst>
+          </p:cNvPr>
+          <p:cNvGrpSpPr/>
+          <p:nvPr/>
+        </p:nvGrpSpPr>
+        <p:grpSpPr>
+          <a:xfrm>
+            <a:off x="6937743" y="1364935"/>
+            <a:ext cx="2062081" cy="2923227"/>
+            <a:chOff x="6937743" y="1364935"/>
+            <a:chExt cx="2062081" cy="2923227"/>
+          </a:xfrm>
+        </p:grpSpPr>
+        <p:pic>
+          <p:nvPicPr>
+            <p:cNvPr id="1032" name="Picture 8" descr="出しっぱなしの水道のイラスト">
+              <a:extLst>
+                <a:ext uri="{FF2B5EF4-FFF2-40B4-BE49-F238E27FC236}">
+                  <a16:creationId xmlns:a16="http://schemas.microsoft.com/office/drawing/2014/main" id="{3E2097EF-CA18-1D6C-B8FC-FEE659544B37}"/>
+                </a:ext>
+              </a:extLst>
+            </p:cNvPr>
+            <p:cNvPicPr>
+              <a:picLocks noChangeAspect="1"/>
+            </p:cNvPicPr>
+            <p:nvPr/>
+          </p:nvPicPr>
+          <p:blipFill>
+            <a:blip r:embed="rId4">
+              <a:extLst>
+                <a:ext uri="{28A0092B-C50C-407E-A947-70E740481C1C}">
+                  <a14:useLocalDpi xmlns:a14="http://schemas.microsoft.com/office/drawing/2010/main" val="0"/>
+                </a:ext>
+              </a:extLst>
+            </a:blip>
+            <a:srcRect/>
+            <a:stretch>
+              <a:fillRect/>
+            </a:stretch>
+          </p:blipFill>
+          <p:spPr bwMode="auto">
+            <a:xfrm>
+              <a:off x="6937743" y="1364935"/>
+              <a:ext cx="2062081" cy="2336636"/>
+            </a:xfrm>
+            <a:prstGeom prst="rect">
+              <a:avLst/>
+            </a:prstGeom>
+            <a:noFill/>
+            <a:extLst>
+              <a:ext uri="{909E8E84-426E-40DD-AFC4-6F175D3DCCD1}">
+                <a14:hiddenFill xmlns:a14="http://schemas.microsoft.com/office/drawing/2010/main">
+                  <a:solidFill>
+                    <a:srgbClr val="FFFFFF"/>
+                  </a:solidFill>
+                </a14:hiddenFill>
+              </a:ext>
+            </a:extLst>
+          </p:spPr>
+        </p:pic>
+        <p:sp>
+          <p:nvSpPr>
+            <p:cNvPr id="11" name="テキスト ボックス 10">
+              <a:extLst>
+                <a:ext uri="{FF2B5EF4-FFF2-40B4-BE49-F238E27FC236}">
+                  <a16:creationId xmlns:a16="http://schemas.microsoft.com/office/drawing/2014/main" id="{26819544-5C2C-6658-FC7F-FDBB6FA49B56}"/>
+                </a:ext>
+              </a:extLst>
+            </p:cNvPr>
+            <p:cNvSpPr txBox="1">
+              <a:spLocks/>
+            </p:cNvSpPr>
+            <p:nvPr/>
+          </p:nvSpPr>
+          <p:spPr>
+            <a:xfrm>
+              <a:off x="7108171" y="3826497"/>
+              <a:ext cx="1721224" cy="461665"/>
+            </a:xfrm>
+            <a:prstGeom prst="rect">
+              <a:avLst/>
+            </a:prstGeom>
+          </p:spPr>
+          <p:style>
+            <a:lnRef idx="1">
+              <a:schemeClr val="accent5"/>
+            </a:lnRef>
+            <a:fillRef idx="2">
+              <a:schemeClr val="accent5"/>
+            </a:fillRef>
+            <a:effectRef idx="1">
+              <a:schemeClr val="accent5"/>
+            </a:effectRef>
+            <a:fontRef idx="minor">
+              <a:schemeClr val="dk1"/>
+            </a:fontRef>
+          </p:style>
+          <p:txBody>
+            <a:bodyPr wrap="square" rtlCol="0">
+              <a:spAutoFit/>
+            </a:bodyPr>
+            <a:lstStyle/>
+            <a:p>
+              <a:r>
+                <a:rPr kumimoji="1" lang="ja-JP" altLang="en-US" sz="2400" dirty="0"/>
+                <a:t>勢いが</a:t>
+              </a:r>
+              <a:r>
+                <a:rPr kumimoji="1" lang="ja-JP" altLang="en-US" sz="2400" dirty="0">
+                  <a:solidFill>
+                    <a:schemeClr val="accent6"/>
+                  </a:solidFill>
+                </a:rPr>
+                <a:t>強い</a:t>
+              </a:r>
+            </a:p>
+          </p:txBody>
+        </p:sp>
+      </p:grpSp>
+    </p:spTree>
+    <p:extLst>
+      <p:ext uri="{BB962C8B-B14F-4D97-AF65-F5344CB8AC3E}">
+        <p14:creationId xmlns:p14="http://schemas.microsoft.com/office/powerpoint/2010/main" val="1458270580"/>
+      </p:ext>
+    </p:extLst>
+  </p:cSld>
+  <p:clrMapOvr>
+    <a:masterClrMapping/>
+  </p:clrMapOvr>
+  <p:timing>
+    <p:tnLst>
+      <p:par>
+        <p:cTn id="1" dur="indefinite" restart="never" nodeType="tmRoot">
+          <p:childTnLst>
+            <p:seq concurrent="1" nextAc="seek">
+              <p:cTn id="2" dur="indefinite" nodeType="mainSeq">
+                <p:childTnLst>
+                  <p:par>
+                    <p:cTn id="3" fill="hold">
+                      <p:stCondLst>
+                        <p:cond delay="indefinite"/>
+                      </p:stCondLst>
+                      <p:childTnLst>
+                        <p:par>
+                          <p:cTn id="4" fill="hold">
+                            <p:stCondLst>
+                              <p:cond delay="0"/>
+                            </p:stCondLst>
+                            <p:childTnLst>
+                              <p:par>
+                                <p:cTn id="5" presetID="10" presetClass="entr" presetSubtype="0" fill="hold" nodeType="clickEffect">
+                                  <p:stCondLst>
+                                    <p:cond delay="0"/>
+                                  </p:stCondLst>
+                                  <p:childTnLst>
+                                    <p:set>
+                                      <p:cBhvr>
+                                        <p:cTn id="6" dur="1" fill="hold">
+                                          <p:stCondLst>
+                                            <p:cond delay="0"/>
+                                          </p:stCondLst>
+                                        </p:cTn>
+                                        <p:tgtEl>
+                                          <p:spTgt spid="23"/>
+                                        </p:tgtEl>
+                                        <p:attrNameLst>
+                                          <p:attrName>style.visibility</p:attrName>
+                                        </p:attrNameLst>
+                                      </p:cBhvr>
+                                      <p:to>
+                                        <p:strVal val="visible"/>
+                                      </p:to>
+                                    </p:set>
+                                    <p:animEffect transition="in" filter="fade">
+                                      <p:cBhvr>
+                                        <p:cTn id="7" dur="500"/>
+                                        <p:tgtEl>
+                                          <p:spTgt spid="23"/>
+                                        </p:tgtEl>
+                                      </p:cBhvr>
+                                    </p:animEffect>
+                                  </p:childTnLst>
+                                </p:cTn>
+                              </p:par>
+                            </p:childTnLst>
+                          </p:cTn>
+                        </p:par>
+                      </p:childTnLst>
+                    </p:cTn>
+                  </p:par>
+                  <p:par>
+                    <p:cTn id="8" fill="hold">
+                      <p:stCondLst>
+                        <p:cond delay="indefinite"/>
+                      </p:stCondLst>
+                      <p:childTnLst>
+                        <p:par>
+                          <p:cTn id="9" fill="hold">
+                            <p:stCondLst>
+                              <p:cond delay="0"/>
+                            </p:stCondLst>
+                            <p:childTnLst>
+                              <p:par>
+                                <p:cTn id="10" presetID="10" presetClass="entr" presetSubtype="0" fill="hold" nodeType="clickEffect">
+                                  <p:stCondLst>
+                                    <p:cond delay="0"/>
+                                  </p:stCondLst>
+                                  <p:childTnLst>
+                                    <p:set>
+                                      <p:cBhvr>
+                                        <p:cTn id="11" dur="1" fill="hold">
+                                          <p:stCondLst>
+                                            <p:cond delay="0"/>
+                                          </p:stCondLst>
+                                        </p:cTn>
+                                        <p:tgtEl>
+                                          <p:spTgt spid="24"/>
+                                        </p:tgtEl>
+                                        <p:attrNameLst>
+                                          <p:attrName>style.visibility</p:attrName>
+                                        </p:attrNameLst>
+                                      </p:cBhvr>
+                                      <p:to>
+                                        <p:strVal val="visible"/>
+                                      </p:to>
+                                    </p:set>
+                                    <p:animEffect transition="in" filter="fade">
+                                      <p:cBhvr>
+                                        <p:cTn id="12" dur="500"/>
+                                        <p:tgtEl>
+                                          <p:spTgt spid="24"/>
+                                        </p:tgtEl>
+                                      </p:cBhvr>
+                                    </p:animEffect>
+                                  </p:childTnLst>
+                                </p:cTn>
+                              </p:par>
+                              <p:par>
+                                <p:cTn id="13" presetID="10" presetClass="entr" presetSubtype="0" fill="hold" grpId="0" nodeType="withEffect">
+                                  <p:stCondLst>
+                                    <p:cond delay="0"/>
+                                  </p:stCondLst>
+                                  <p:childTnLst>
+                                    <p:set>
+                                      <p:cBhvr>
+                                        <p:cTn id="14" dur="1" fill="hold">
+                                          <p:stCondLst>
+                                            <p:cond delay="0"/>
+                                          </p:stCondLst>
+                                        </p:cTn>
+                                        <p:tgtEl>
+                                          <p:spTgt spid="19">
+                                            <p:txEl>
+                                              <p:pRg st="0" end="0"/>
+                                            </p:txEl>
+                                          </p:spTgt>
+                                        </p:tgtEl>
+                                        <p:attrNameLst>
+                                          <p:attrName>style.visibility</p:attrName>
+                                        </p:attrNameLst>
+                                      </p:cBhvr>
+                                      <p:to>
+                                        <p:strVal val="visible"/>
+                                      </p:to>
+                                    </p:set>
+                                    <p:animEffect transition="in" filter="fade">
+                                      <p:cBhvr>
+                                        <p:cTn id="15" dur="500"/>
+                                        <p:tgtEl>
+                                          <p:spTgt spid="19">
+                                            <p:txEl>
+                                              <p:pRg st="0" end="0"/>
+                                            </p:txEl>
+                                          </p:spTgt>
+                                        </p:tgtEl>
+                                      </p:cBhvr>
+                                    </p:animEffect>
+                                  </p:childTnLst>
+                                </p:cTn>
+                              </p:par>
+                            </p:childTnLst>
+                          </p:cTn>
+                        </p:par>
+                      </p:childTnLst>
+                    </p:cTn>
+                  </p:par>
+                  <p:par>
+                    <p:cTn id="16" fill="hold">
+                      <p:stCondLst>
+                        <p:cond delay="indefinite"/>
+                      </p:stCondLst>
+                      <p:childTnLst>
+                        <p:par>
+                          <p:cTn id="17" fill="hold">
+                            <p:stCondLst>
+                              <p:cond delay="0"/>
+                            </p:stCondLst>
+                            <p:childTnLst>
+                              <p:par>
+                                <p:cTn id="18" presetID="10" presetClass="entr" presetSubtype="0" fill="hold" nodeType="clickEffect">
+                                  <p:stCondLst>
+                                    <p:cond delay="0"/>
+                                  </p:stCondLst>
+                                  <p:childTnLst>
+                                    <p:set>
+                                      <p:cBhvr>
+                                        <p:cTn id="19" dur="1" fill="hold">
+                                          <p:stCondLst>
+                                            <p:cond delay="0"/>
+                                          </p:stCondLst>
+                                        </p:cTn>
+                                        <p:tgtEl>
+                                          <p:spTgt spid="25"/>
+                                        </p:tgtEl>
+                                        <p:attrNameLst>
+                                          <p:attrName>style.visibility</p:attrName>
+                                        </p:attrNameLst>
+                                      </p:cBhvr>
+                                      <p:to>
+                                        <p:strVal val="visible"/>
+                                      </p:to>
+                                    </p:set>
+                                    <p:animEffect transition="in" filter="fade">
+                                      <p:cBhvr>
+                                        <p:cTn id="20" dur="500"/>
+                                        <p:tgtEl>
+                                          <p:spTgt spid="25"/>
+                                        </p:tgtEl>
+                                      </p:cBhvr>
+                                    </p:animEffect>
+                                  </p:childTnLst>
+                                </p:cTn>
+                              </p:par>
+                              <p:par>
+                                <p:cTn id="21" presetID="10" presetClass="entr" presetSubtype="0" fill="hold" grpId="0" nodeType="withEffect">
+                                  <p:stCondLst>
+                                    <p:cond delay="0"/>
+                                  </p:stCondLst>
+                                  <p:childTnLst>
+                                    <p:set>
+                                      <p:cBhvr>
+                                        <p:cTn id="22" dur="1" fill="hold">
+                                          <p:stCondLst>
+                                            <p:cond delay="0"/>
+                                          </p:stCondLst>
+                                        </p:cTn>
+                                        <p:tgtEl>
+                                          <p:spTgt spid="19">
+                                            <p:txEl>
+                                              <p:pRg st="1" end="1"/>
+                                            </p:txEl>
+                                          </p:spTgt>
+                                        </p:tgtEl>
+                                        <p:attrNameLst>
+                                          <p:attrName>style.visibility</p:attrName>
+                                        </p:attrNameLst>
+                                      </p:cBhvr>
+                                      <p:to>
+                                        <p:strVal val="visible"/>
+                                      </p:to>
+                                    </p:set>
+                                    <p:animEffect transition="in" filter="fade">
+                                      <p:cBhvr>
+                                        <p:cTn id="23" dur="500"/>
+                                        <p:tgtEl>
+                                          <p:spTgt spid="19">
+                                            <p:txEl>
+                                              <p:pRg st="1" end="1"/>
+                                            </p:txEl>
+                                          </p:spTgt>
+                                        </p:tgtEl>
+                                      </p:cBhvr>
+                                    </p:animEffect>
+                                  </p:childTnLst>
+                                </p:cTn>
+                              </p:par>
+                            </p:childTnLst>
+                          </p:cTn>
+                        </p:par>
+                      </p:childTnLst>
+                    </p:cTn>
+                  </p:par>
+                </p:childTnLst>
+              </p:cTn>
+              <p:prevCondLst>
+                <p:cond evt="onPrev" delay="0">
+                  <p:tgtEl>
+                    <p:sldTgt/>
+                  </p:tgtEl>
+                </p:cond>
+              </p:prevCondLst>
+              <p:nextCondLst>
+                <p:cond evt="onNext" delay="0">
+                  <p:tgtEl>
+                    <p:sldTgt/>
+                  </p:tgtEl>
+                </p:cond>
+              </p:nextCondLst>
+            </p:seq>
+          </p:childTnLst>
+        </p:cTn>
+      </p:par>
+    </p:tnLst>
+    <p:bldLst>
+      <p:bldP spid="19" grpId="0" uiExpand="1" build="p"/>
+    </p:bldLst>
+  </p:timing>
+</p:sld>
+</file>
+
 <file path=ppt/theme/theme1.xml><?xml version="1.0" encoding="utf-8"?>
 <a:theme xmlns:a="http://schemas.openxmlformats.org/drawingml/2006/main" name="Template">
   <a:themeElements>
@@ -17740,23 +19742,6 @@
 </file>
 
 <file path=customXml/item1.xml><?xml version="1.0" encoding="utf-8"?>
-<?mso-contentType ?>
-<FormTemplates xmlns="http://schemas.microsoft.com/sharepoint/v3/contenttype/forms">
-  <Display>DocumentLibraryForm</Display>
-  <Edit>DocumentLibraryForm</Edit>
-  <New>DocumentLibraryForm</New>
-</FormTemplates>
-</file>
-
-<file path=customXml/item2.xml><?xml version="1.0" encoding="utf-8"?>
-<p:properties xmlns:p="http://schemas.microsoft.com/office/2006/metadata/properties" xmlns:xsi="http://www.w3.org/2001/XMLSchema-instance" xmlns:pc="http://schemas.microsoft.com/office/infopath/2007/PartnerControls">
-  <documentManagement>
-    <_activity xmlns="4952ab04-0ae3-4d00-bda6-702fdc5fffab" xsi:nil="true"/>
-  </documentManagement>
-</p:properties>
-</file>
-
-<file path=customXml/item3.xml><?xml version="1.0" encoding="utf-8"?>
 <ct:contentTypeSchema xmlns:ct="http://schemas.microsoft.com/office/2006/metadata/contentType" xmlns:ma="http://schemas.microsoft.com/office/2006/metadata/properties/metaAttributes" ct:_="" ma:_="" ma:contentTypeName="ドキュメント" ma:contentTypeID="0x010100317BAD2A974274468B93BA0E70B86153" ma:contentTypeVersion="14" ma:contentTypeDescription="新しいドキュメントを作成します。" ma:contentTypeScope="" ma:versionID="19deaf902174782fcab1e59d5990709b">
   <xsd:schema xmlns:xsd="http://www.w3.org/2001/XMLSchema" xmlns:xs="http://www.w3.org/2001/XMLSchema" xmlns:p="http://schemas.microsoft.com/office/2006/metadata/properties" xmlns:ns3="4952ab04-0ae3-4d00-bda6-702fdc5fffab" xmlns:ns4="a9997899-e6ea-448c-9370-6665c1cb1ca9" targetNamespace="http://schemas.microsoft.com/office/2006/metadata/properties" ma:root="true" ma:fieldsID="626e8013a1feda8fd847dbe4d0402ef4" ns3:_="" ns4:_="">
     <xsd:import namespace="4952ab04-0ae3-4d00-bda6-702fdc5fffab"/>
@@ -17983,10 +19968,39 @@
 </ct:contentTypeSchema>
 </file>
 
+<file path=customXml/item2.xml><?xml version="1.0" encoding="utf-8"?>
+<p:properties xmlns:p="http://schemas.microsoft.com/office/2006/metadata/properties" xmlns:xsi="http://www.w3.org/2001/XMLSchema-instance" xmlns:pc="http://schemas.microsoft.com/office/infopath/2007/PartnerControls">
+  <documentManagement>
+    <_activity xmlns="4952ab04-0ae3-4d00-bda6-702fdc5fffab" xsi:nil="true"/>
+  </documentManagement>
+</p:properties>
+</file>
+
+<file path=customXml/item3.xml><?xml version="1.0" encoding="utf-8"?>
+<?mso-contentType ?>
+<FormTemplates xmlns="http://schemas.microsoft.com/sharepoint/v3/contenttype/forms">
+  <Display>DocumentLibraryForm</Display>
+  <Edit>DocumentLibraryForm</Edit>
+  <New>DocumentLibraryForm</New>
+</FormTemplates>
+</file>
+
 <file path=customXml/itemProps1.xml><?xml version="1.0" encoding="utf-8"?>
-<ds:datastoreItem xmlns:ds="http://schemas.openxmlformats.org/officeDocument/2006/customXml" ds:itemID="{E556F4D6-31A5-4692-BD03-E6D6534FF51F}">
+<ds:datastoreItem xmlns:ds="http://schemas.openxmlformats.org/officeDocument/2006/customXml" ds:itemID="{F412A431-86F1-4D8E-AC27-86C6F4A4DCAA}">
   <ds:schemaRefs>
-    <ds:schemaRef ds:uri="http://schemas.microsoft.com/sharepoint/v3/contenttype/forms"/>
+    <ds:schemaRef ds:uri="4952ab04-0ae3-4d00-bda6-702fdc5fffab"/>
+    <ds:schemaRef ds:uri="a9997899-e6ea-448c-9370-6665c1cb1ca9"/>
+    <ds:schemaRef ds:uri="http://purl.org/dc/elements/1.1/"/>
+    <ds:schemaRef ds:uri="http://purl.org/dc/terms/"/>
+    <ds:schemaRef ds:uri="http://schemas.microsoft.com/internal/obd"/>
+    <ds:schemaRef ds:uri="http://schemas.microsoft.com/office/2006/documentManagement/types"/>
+    <ds:schemaRef ds:uri="http://schemas.microsoft.com/office/2006/metadata/contentType"/>
+    <ds:schemaRef ds:uri="http://schemas.microsoft.com/office/2006/metadata/properties"/>
+    <ds:schemaRef ds:uri="http://schemas.microsoft.com/office/2006/metadata/properties/metaAttributes"/>
+    <ds:schemaRef ds:uri="http://schemas.microsoft.com/office/infopath/2007/PartnerControls"/>
+    <ds:schemaRef ds:uri="http://schemas.openxmlformats.org/package/2006/metadata/core-properties"/>
+    <ds:schemaRef ds:uri="http://www.w3.org/2000/xmlns/"/>
+    <ds:schemaRef ds:uri="http://www.w3.org/2001/XMLSchema"/>
   </ds:schemaRefs>
 </ds:datastoreItem>
 </file>
@@ -18009,21 +20023,9 @@
 </file>
 
 <file path=customXml/itemProps3.xml><?xml version="1.0" encoding="utf-8"?>
-<ds:datastoreItem xmlns:ds="http://schemas.openxmlformats.org/officeDocument/2006/customXml" ds:itemID="{F412A431-86F1-4D8E-AC27-86C6F4A4DCAA}">
+<ds:datastoreItem xmlns:ds="http://schemas.openxmlformats.org/officeDocument/2006/customXml" ds:itemID="{E556F4D6-31A5-4692-BD03-E6D6534FF51F}">
   <ds:schemaRefs>
-    <ds:schemaRef ds:uri="4952ab04-0ae3-4d00-bda6-702fdc5fffab"/>
-    <ds:schemaRef ds:uri="a9997899-e6ea-448c-9370-6665c1cb1ca9"/>
-    <ds:schemaRef ds:uri="http://purl.org/dc/elements/1.1/"/>
-    <ds:schemaRef ds:uri="http://purl.org/dc/terms/"/>
-    <ds:schemaRef ds:uri="http://schemas.microsoft.com/internal/obd"/>
-    <ds:schemaRef ds:uri="http://schemas.microsoft.com/office/2006/documentManagement/types"/>
-    <ds:schemaRef ds:uri="http://schemas.microsoft.com/office/2006/metadata/contentType"/>
-    <ds:schemaRef ds:uri="http://schemas.microsoft.com/office/2006/metadata/properties"/>
-    <ds:schemaRef ds:uri="http://schemas.microsoft.com/office/2006/metadata/properties/metaAttributes"/>
-    <ds:schemaRef ds:uri="http://schemas.microsoft.com/office/infopath/2007/PartnerControls"/>
-    <ds:schemaRef ds:uri="http://schemas.openxmlformats.org/package/2006/metadata/core-properties"/>
-    <ds:schemaRef ds:uri="http://www.w3.org/2000/xmlns/"/>
-    <ds:schemaRef ds:uri="http://www.w3.org/2001/XMLSchema"/>
+    <ds:schemaRef ds:uri="http://schemas.microsoft.com/sharepoint/v3/contenttype/forms"/>
   </ds:schemaRefs>
 </ds:datastoreItem>
 </file>
--- a/JPL/JPL03_slide_energy.pptx
+++ b/JPL/JPL03_slide_energy.pptx
@@ -1,27 +1,27 @@
 
 <file path=ppt/presentation.xml><?xml version="1.0" encoding="utf-8"?>
-<p:presentation xmlns:a="http://schemas.openxmlformats.org/drawingml/2006/main" xmlns:r="http://schemas.openxmlformats.org/officeDocument/2006/relationships" xmlns:p="http://schemas.openxmlformats.org/presentationml/2006/main" saveSubsetFonts="1">
+<p:presentation xmlns:a="http://schemas.openxmlformats.org/drawingml/2006/main" xmlns:r="http://schemas.openxmlformats.org/officeDocument/2006/relationships" xmlns:p="http://schemas.openxmlformats.org/presentationml/2006/main" removePersonalInfoOnSave="1" saveSubsetFonts="1">
   <p:sldMasterIdLst>
-    <p:sldMasterId id="2147483648" r:id="rId4"/>
+    <p:sldMasterId id="2147483648" r:id="rId1"/>
   </p:sldMasterIdLst>
   <p:notesMasterIdLst>
-    <p:notesMasterId r:id="rId16"/>
+    <p:notesMasterId r:id="rId13"/>
   </p:notesMasterIdLst>
   <p:handoutMasterIdLst>
-    <p:handoutMasterId r:id="rId17"/>
+    <p:handoutMasterId r:id="rId14"/>
   </p:handoutMasterIdLst>
   <p:sldIdLst>
-    <p:sldId id="256" r:id="rId5"/>
-    <p:sldId id="522" r:id="rId6"/>
-    <p:sldId id="528" r:id="rId7"/>
-    <p:sldId id="529" r:id="rId8"/>
-    <p:sldId id="531" r:id="rId9"/>
-    <p:sldId id="530" r:id="rId10"/>
-    <p:sldId id="532" r:id="rId11"/>
-    <p:sldId id="536" r:id="rId12"/>
-    <p:sldId id="533" r:id="rId13"/>
-    <p:sldId id="534" r:id="rId14"/>
-    <p:sldId id="535" r:id="rId15"/>
+    <p:sldId id="256" r:id="rId2"/>
+    <p:sldId id="522" r:id="rId3"/>
+    <p:sldId id="528" r:id="rId4"/>
+    <p:sldId id="529" r:id="rId5"/>
+    <p:sldId id="531" r:id="rId6"/>
+    <p:sldId id="530" r:id="rId7"/>
+    <p:sldId id="532" r:id="rId8"/>
+    <p:sldId id="536" r:id="rId9"/>
+    <p:sldId id="533" r:id="rId10"/>
+    <p:sldId id="534" r:id="rId11"/>
+    <p:sldId id="535" r:id="rId12"/>
   </p:sldIdLst>
   <p:sldSz cx="9906000" cy="6858000" type="A4"/>
   <p:notesSz cx="7104063" cy="10234613"/>
@@ -5317,7 +5317,7 @@
                 </a:ext>
               </a:extLst>
             </a:blip>
-            <a:srcRect l="4855" r="5184"/>
+            <a:srcRect/>
             <a:stretch>
               <a:fillRect/>
             </a:stretch>
@@ -6473,7 +6473,7 @@
                 </a:ext>
               </a:extLst>
             </a:blip>
-            <a:srcRect l="2216" t="51041" r="72380" b="26423"/>
+            <a:srcRect/>
             <a:stretch>
               <a:fillRect/>
             </a:stretch>
@@ -6503,14 +6503,14 @@
             <p:nvPr/>
           </p:nvPicPr>
           <p:blipFill>
-            <a:blip r:embed="rId11">
+            <a:blip r:embed="rId12">
               <a:extLst>
                 <a:ext uri="{28A0092B-C50C-407E-A947-70E740481C1C}">
                   <a14:useLocalDpi xmlns:a14="http://schemas.microsoft.com/office/drawing/2010/main" val="0"/>
                 </a:ext>
               </a:extLst>
             </a:blip>
-            <a:srcRect l="37095" t="51041" r="37252" b="26423"/>
+            <a:srcRect/>
             <a:stretch>
               <a:fillRect/>
             </a:stretch>
@@ -6596,14 +6596,14 @@
             <p:nvPr/>
           </p:nvPicPr>
           <p:blipFill>
-            <a:blip r:embed="rId12">
+            <a:blip r:embed="rId13">
               <a:extLst>
                 <a:ext uri="{28A0092B-C50C-407E-A947-70E740481C1C}">
                   <a14:useLocalDpi xmlns:a14="http://schemas.microsoft.com/office/drawing/2010/main" val="0"/>
                 </a:ext>
               </a:extLst>
             </a:blip>
-            <a:srcRect l="35001" t="35177" r="34623" b="37131"/>
+            <a:srcRect/>
             <a:stretch>
               <a:fillRect/>
             </a:stretch>
@@ -6689,14 +6689,14 @@
             <p:nvPr/>
           </p:nvPicPr>
           <p:blipFill>
-            <a:blip r:embed="rId13">
+            <a:blip r:embed="rId14">
               <a:extLst>
                 <a:ext uri="{28A0092B-C50C-407E-A947-70E740481C1C}">
                   <a14:useLocalDpi xmlns:a14="http://schemas.microsoft.com/office/drawing/2010/main" val="0"/>
                 </a:ext>
               </a:extLst>
             </a:blip>
-            <a:srcRect l="24542" t="1922" r="49083" b="59451"/>
+            <a:srcRect/>
             <a:stretch>
               <a:fillRect/>
             </a:stretch>
@@ -6782,14 +6782,14 @@
             <p:nvPr/>
           </p:nvPicPr>
           <p:blipFill>
-            <a:blip r:embed="rId12">
+            <a:blip r:embed="rId15">
               <a:extLst>
                 <a:ext uri="{28A0092B-C50C-407E-A947-70E740481C1C}">
                   <a14:useLocalDpi xmlns:a14="http://schemas.microsoft.com/office/drawing/2010/main" val="0"/>
                 </a:ext>
               </a:extLst>
             </a:blip>
-            <a:srcRect l="66101" t="1855" r="3889" b="70492"/>
+            <a:srcRect/>
             <a:stretch>
               <a:fillRect/>
             </a:stretch>
@@ -6875,7 +6875,7 @@
             <p:nvPr/>
           </p:nvPicPr>
           <p:blipFill>
-            <a:blip r:embed="rId14">
+            <a:blip r:embed="rId16">
               <a:extLst>
                 <a:ext uri="{28A0092B-C50C-407E-A947-70E740481C1C}">
                   <a14:useLocalDpi xmlns:a14="http://schemas.microsoft.com/office/drawing/2010/main" val="0"/>
@@ -6978,7 +6978,7 @@
             <p:nvPr/>
           </p:nvPicPr>
           <p:blipFill>
-            <a:blip r:embed="rId15">
+            <a:blip r:embed="rId17">
               <a:extLst>
                 <a:ext uri="{28A0092B-C50C-407E-A947-70E740481C1C}">
                   <a14:useLocalDpi xmlns:a14="http://schemas.microsoft.com/office/drawing/2010/main" val="0"/>
@@ -7081,7 +7081,7 @@
             <p:nvPr/>
           </p:nvPicPr>
           <p:blipFill>
-            <a:blip r:embed="rId16">
+            <a:blip r:embed="rId18">
               <a:extLst>
                 <a:ext uri="{28A0092B-C50C-407E-A947-70E740481C1C}">
                   <a14:useLocalDpi xmlns:a14="http://schemas.microsoft.com/office/drawing/2010/main" val="0"/>
@@ -7184,14 +7184,14 @@
             <p:nvPr/>
           </p:nvPicPr>
           <p:blipFill>
-            <a:blip r:embed="rId13">
+            <a:blip r:embed="rId19">
               <a:extLst>
                 <a:ext uri="{28A0092B-C50C-407E-A947-70E740481C1C}">
                   <a14:useLocalDpi xmlns:a14="http://schemas.microsoft.com/office/drawing/2010/main" val="0"/>
                 </a:ext>
               </a:extLst>
             </a:blip>
-            <a:srcRect l="2313" t="3300" r="76853" b="59344"/>
+            <a:srcRect/>
             <a:stretch>
               <a:fillRect/>
             </a:stretch>
@@ -16590,7 +16590,7 @@
                 </a:ext>
               </a:extLst>
             </a:blip>
-            <a:srcRect l="66101" t="1855" r="3889" b="70492"/>
+            <a:srcRect/>
             <a:stretch>
               <a:fillRect/>
             </a:stretch>
@@ -19739,293 +19739,4 @@
     </a:ext>
   </a:extLst>
 </a:theme>
-</file>
-
-<file path=customXml/item1.xml><?xml version="1.0" encoding="utf-8"?>
-<ct:contentTypeSchema xmlns:ct="http://schemas.microsoft.com/office/2006/metadata/contentType" xmlns:ma="http://schemas.microsoft.com/office/2006/metadata/properties/metaAttributes" ct:_="" ma:_="" ma:contentTypeName="ドキュメント" ma:contentTypeID="0x010100317BAD2A974274468B93BA0E70B86153" ma:contentTypeVersion="14" ma:contentTypeDescription="新しいドキュメントを作成します。" ma:contentTypeScope="" ma:versionID="19deaf902174782fcab1e59d5990709b">
-  <xsd:schema xmlns:xsd="http://www.w3.org/2001/XMLSchema" xmlns:xs="http://www.w3.org/2001/XMLSchema" xmlns:p="http://schemas.microsoft.com/office/2006/metadata/properties" xmlns:ns3="4952ab04-0ae3-4d00-bda6-702fdc5fffab" xmlns:ns4="a9997899-e6ea-448c-9370-6665c1cb1ca9" targetNamespace="http://schemas.microsoft.com/office/2006/metadata/properties" ma:root="true" ma:fieldsID="626e8013a1feda8fd847dbe4d0402ef4" ns3:_="" ns4:_="">
-    <xsd:import namespace="4952ab04-0ae3-4d00-bda6-702fdc5fffab"/>
-    <xsd:import namespace="a9997899-e6ea-448c-9370-6665c1cb1ca9"/>
-    <xsd:element name="properties">
-      <xsd:complexType>
-        <xsd:sequence>
-          <xsd:element name="documentManagement">
-            <xsd:complexType>
-              <xsd:all>
-                <xsd:element ref="ns3:MediaServiceMetadata" minOccurs="0"/>
-                <xsd:element ref="ns3:MediaServiceFastMetadata" minOccurs="0"/>
-                <xsd:element ref="ns3:MediaServiceObjectDetectorVersions" minOccurs="0"/>
-                <xsd:element ref="ns3:_activity" minOccurs="0"/>
-                <xsd:element ref="ns3:MediaServiceSearchProperties" minOccurs="0"/>
-                <xsd:element ref="ns4:SharedWithUsers" minOccurs="0"/>
-                <xsd:element ref="ns4:SharedWithDetails" minOccurs="0"/>
-                <xsd:element ref="ns4:SharingHintHash" minOccurs="0"/>
-                <xsd:element ref="ns3:MediaServiceDateTaken" minOccurs="0"/>
-                <xsd:element ref="ns3:MediaServiceSystemTags" minOccurs="0"/>
-                <xsd:element ref="ns3:MediaServiceOCR" minOccurs="0"/>
-                <xsd:element ref="ns3:MediaServiceGenerationTime" minOccurs="0"/>
-                <xsd:element ref="ns3:MediaServiceEventHashCode" minOccurs="0"/>
-                <xsd:element ref="ns3:MediaLengthInSeconds" minOccurs="0"/>
-              </xsd:all>
-            </xsd:complexType>
-          </xsd:element>
-        </xsd:sequence>
-      </xsd:complexType>
-    </xsd:element>
-  </xsd:schema>
-  <xsd:schema xmlns:xsd="http://www.w3.org/2001/XMLSchema" xmlns:xs="http://www.w3.org/2001/XMLSchema" xmlns:dms="http://schemas.microsoft.com/office/2006/documentManagement/types" xmlns:pc="http://schemas.microsoft.com/office/infopath/2007/PartnerControls" targetNamespace="4952ab04-0ae3-4d00-bda6-702fdc5fffab" elementFormDefault="qualified">
-    <xsd:import namespace="http://schemas.microsoft.com/office/2006/documentManagement/types"/>
-    <xsd:import namespace="http://schemas.microsoft.com/office/infopath/2007/PartnerControls"/>
-    <xsd:element name="MediaServiceMetadata" ma:index="8" nillable="true" ma:displayName="MediaServiceMetadata" ma:hidden="true" ma:internalName="MediaServiceMetadata" ma:readOnly="true">
-      <xsd:simpleType>
-        <xsd:restriction base="dms:Note"/>
-      </xsd:simpleType>
-    </xsd:element>
-    <xsd:element name="MediaServiceFastMetadata" ma:index="9" nillable="true" ma:displayName="MediaServiceFastMetadata" ma:hidden="true" ma:internalName="MediaServiceFastMetadata" ma:readOnly="true">
-      <xsd:simpleType>
-        <xsd:restriction base="dms:Note"/>
-      </xsd:simpleType>
-    </xsd:element>
-    <xsd:element name="MediaServiceObjectDetectorVersions" ma:index="10" nillable="true" ma:displayName="MediaServiceObjectDetectorVersions" ma:hidden="true" ma:indexed="true" ma:internalName="MediaServiceObjectDetectorVersions" ma:readOnly="true">
-      <xsd:simpleType>
-        <xsd:restriction base="dms:Text"/>
-      </xsd:simpleType>
-    </xsd:element>
-    <xsd:element name="_activity" ma:index="11" nillable="true" ma:displayName="_activity" ma:hidden="true" ma:internalName="_activity">
-      <xsd:simpleType>
-        <xsd:restriction base="dms:Note"/>
-      </xsd:simpleType>
-    </xsd:element>
-    <xsd:element name="MediaServiceSearchProperties" ma:index="12" nillable="true" ma:displayName="MediaServiceSearchProperties" ma:hidden="true" ma:internalName="MediaServiceSearchProperties" ma:readOnly="true">
-      <xsd:simpleType>
-        <xsd:restriction base="dms:Note"/>
-      </xsd:simpleType>
-    </xsd:element>
-    <xsd:element name="MediaServiceDateTaken" ma:index="16" nillable="true" ma:displayName="MediaServiceDateTaken" ma:hidden="true" ma:indexed="true" ma:internalName="MediaServiceDateTaken" ma:readOnly="true">
-      <xsd:simpleType>
-        <xsd:restriction base="dms:Text"/>
-      </xsd:simpleType>
-    </xsd:element>
-    <xsd:element name="MediaServiceSystemTags" ma:index="17" nillable="true" ma:displayName="MediaServiceSystemTags" ma:hidden="true" ma:internalName="MediaServiceSystemTags" ma:readOnly="true">
-      <xsd:simpleType>
-        <xsd:restriction base="dms:Note"/>
-      </xsd:simpleType>
-    </xsd:element>
-    <xsd:element name="MediaServiceOCR" ma:index="18" nillable="true" ma:displayName="Extracted Text" ma:internalName="MediaServiceOCR" ma:readOnly="true">
-      <xsd:simpleType>
-        <xsd:restriction base="dms:Note">
-          <xsd:maxLength value="255"/>
-        </xsd:restriction>
-      </xsd:simpleType>
-    </xsd:element>
-    <xsd:element name="MediaServiceGenerationTime" ma:index="19" nillable="true" ma:displayName="MediaServiceGenerationTime" ma:hidden="true" ma:internalName="MediaServiceGenerationTime" ma:readOnly="true">
-      <xsd:simpleType>
-        <xsd:restriction base="dms:Text"/>
-      </xsd:simpleType>
-    </xsd:element>
-    <xsd:element name="MediaServiceEventHashCode" ma:index="20" nillable="true" ma:displayName="MediaServiceEventHashCode" ma:hidden="true" ma:internalName="MediaServiceEventHashCode" ma:readOnly="true">
-      <xsd:simpleType>
-        <xsd:restriction base="dms:Text"/>
-      </xsd:simpleType>
-    </xsd:element>
-    <xsd:element name="MediaLengthInSeconds" ma:index="21" nillable="true" ma:displayName="MediaLengthInSeconds" ma:hidden="true" ma:internalName="MediaLengthInSeconds" ma:readOnly="true">
-      <xsd:simpleType>
-        <xsd:restriction base="dms:Unknown"/>
-      </xsd:simpleType>
-    </xsd:element>
-  </xsd:schema>
-  <xsd:schema xmlns:xsd="http://www.w3.org/2001/XMLSchema" xmlns:xs="http://www.w3.org/2001/XMLSchema" xmlns:dms="http://schemas.microsoft.com/office/2006/documentManagement/types" xmlns:pc="http://schemas.microsoft.com/office/infopath/2007/PartnerControls" targetNamespace="a9997899-e6ea-448c-9370-6665c1cb1ca9" elementFormDefault="qualified">
-    <xsd:import namespace="http://schemas.microsoft.com/office/2006/documentManagement/types"/>
-    <xsd:import namespace="http://schemas.microsoft.com/office/infopath/2007/PartnerControls"/>
-    <xsd:element name="SharedWithUsers" ma:index="13" nillable="true" ma:displayName="共有相手" ma:internalName="SharedWithUsers" ma:readOnly="true">
-      <xsd:complexType>
-        <xsd:complexContent>
-          <xsd:extension base="dms:UserMulti">
-            <xsd:sequence>
-              <xsd:element name="UserInfo" minOccurs="0" maxOccurs="unbounded">
-                <xsd:complexType>
-                  <xsd:sequence>
-                    <xsd:element name="DisplayName" type="xsd:string" minOccurs="0"/>
-                    <xsd:element name="AccountId" type="dms:UserId" minOccurs="0" nillable="true"/>
-                    <xsd:element name="AccountType" type="xsd:string" minOccurs="0"/>
-                  </xsd:sequence>
-                </xsd:complexType>
-              </xsd:element>
-            </xsd:sequence>
-          </xsd:extension>
-        </xsd:complexContent>
-      </xsd:complexType>
-    </xsd:element>
-    <xsd:element name="SharedWithDetails" ma:index="14" nillable="true" ma:displayName="共有相手の詳細情報" ma:internalName="SharedWithDetails" ma:readOnly="true">
-      <xsd:simpleType>
-        <xsd:restriction base="dms:Note">
-          <xsd:maxLength value="255"/>
-        </xsd:restriction>
-      </xsd:simpleType>
-    </xsd:element>
-    <xsd:element name="SharingHintHash" ma:index="15" nillable="true" ma:displayName="共有のヒントのハッシュ" ma:hidden="true" ma:internalName="SharingHintHash" ma:readOnly="true">
-      <xsd:simpleType>
-        <xsd:restriction base="dms:Text"/>
-      </xsd:simpleType>
-    </xsd:element>
-  </xsd:schema>
-  <xsd:schema xmlns="http://schemas.openxmlformats.org/package/2006/metadata/core-properties" xmlns:xsd="http://www.w3.org/2001/XMLSchema" xmlns:xsi="http://www.w3.org/2001/XMLSchema-instance" xmlns:dc="http://purl.org/dc/elements/1.1/" xmlns:dcterms="http://purl.org/dc/terms/" xmlns:odoc="http://schemas.microsoft.com/internal/obd" targetNamespace="http://schemas.openxmlformats.org/package/2006/metadata/core-properties" elementFormDefault="qualified" attributeFormDefault="unqualified" blockDefault="#all">
-    <xsd:import namespace="http://purl.org/dc/elements/1.1/" schemaLocation="http://dublincore.org/schemas/xmls/qdc/2003/04/02/dc.xsd"/>
-    <xsd:import namespace="http://purl.org/dc/terms/" schemaLocation="http://dublincore.org/schemas/xmls/qdc/2003/04/02/dcterms.xsd"/>
-    <xsd:element name="coreProperties" type="CT_coreProperties"/>
-    <xsd:complexType name="CT_coreProperties">
-      <xsd:all>
-        <xsd:element ref="dc:creator" minOccurs="0" maxOccurs="1"/>
-        <xsd:element ref="dcterms:created" minOccurs="0" maxOccurs="1"/>
-        <xsd:element ref="dc:identifier" minOccurs="0" maxOccurs="1"/>
-        <xsd:element name="contentType" minOccurs="0" maxOccurs="1" type="xsd:string" ma:index="0" ma:displayName="コンテンツ タイプ"/>
-        <xsd:element ref="dc:title" minOccurs="0" maxOccurs="1" ma:index="4" ma:displayName="タイトル"/>
-        <xsd:element ref="dc:subject" minOccurs="0" maxOccurs="1"/>
-        <xsd:element ref="dc:description" minOccurs="0" maxOccurs="1"/>
-        <xsd:element name="keywords" minOccurs="0" maxOccurs="1" type="xsd:string"/>
-        <xsd:element ref="dc:language" minOccurs="0" maxOccurs="1"/>
-        <xsd:element name="category" minOccurs="0" maxOccurs="1" type="xsd:string"/>
-        <xsd:element name="version" minOccurs="0" maxOccurs="1" type="xsd:string"/>
-        <xsd:element name="revision" minOccurs="0" maxOccurs="1" type="xsd:string">
-          <xsd:annotation>
-            <xsd:documentation>
-                        This value indicates the number of saves or revisions. The application is responsible for updating this value after each revision.
-                    </xsd:documentation>
-          </xsd:annotation>
-        </xsd:element>
-        <xsd:element name="lastModifiedBy" minOccurs="0" maxOccurs="1" type="xsd:string"/>
-        <xsd:element ref="dcterms:modified" minOccurs="0" maxOccurs="1"/>
-        <xsd:element name="contentStatus" minOccurs="0" maxOccurs="1" type="xsd:string"/>
-      </xsd:all>
-    </xsd:complexType>
-  </xsd:schema>
-  <xs:schema xmlns:pc="http://schemas.microsoft.com/office/infopath/2007/PartnerControls" xmlns:xs="http://www.w3.org/2001/XMLSchema" targetNamespace="http://schemas.microsoft.com/office/infopath/2007/PartnerControls" elementFormDefault="qualified" attributeFormDefault="unqualified">
-    <xs:element name="Person">
-      <xs:complexType>
-        <xs:sequence>
-          <xs:element ref="pc:DisplayName" minOccurs="0"/>
-          <xs:element ref="pc:AccountId" minOccurs="0"/>
-          <xs:element ref="pc:AccountType" minOccurs="0"/>
-        </xs:sequence>
-      </xs:complexType>
-    </xs:element>
-    <xs:element name="DisplayName" type="xs:string"/>
-    <xs:element name="AccountId" type="xs:string"/>
-    <xs:element name="AccountType" type="xs:string"/>
-    <xs:element name="BDCAssociatedEntity">
-      <xs:complexType>
-        <xs:sequence>
-          <xs:element ref="pc:BDCEntity" minOccurs="0" maxOccurs="unbounded"/>
-        </xs:sequence>
-        <xs:attribute ref="pc:EntityNamespace"/>
-        <xs:attribute ref="pc:EntityName"/>
-        <xs:attribute ref="pc:SystemInstanceName"/>
-        <xs:attribute ref="pc:AssociationName"/>
-      </xs:complexType>
-    </xs:element>
-    <xs:attribute name="EntityNamespace" type="xs:string"/>
-    <xs:attribute name="EntityName" type="xs:string"/>
-    <xs:attribute name="SystemInstanceName" type="xs:string"/>
-    <xs:attribute name="AssociationName" type="xs:string"/>
-    <xs:element name="BDCEntity">
-      <xs:complexType>
-        <xs:sequence>
-          <xs:element ref="pc:EntityDisplayName" minOccurs="0"/>
-          <xs:element ref="pc:EntityInstanceReference" minOccurs="0"/>
-          <xs:element ref="pc:EntityId1" minOccurs="0"/>
-          <xs:element ref="pc:EntityId2" minOccurs="0"/>
-          <xs:element ref="pc:EntityId3" minOccurs="0"/>
-          <xs:element ref="pc:EntityId4" minOccurs="0"/>
-          <xs:element ref="pc:EntityId5" minOccurs="0"/>
-        </xs:sequence>
-      </xs:complexType>
-    </xs:element>
-    <xs:element name="EntityDisplayName" type="xs:string"/>
-    <xs:element name="EntityInstanceReference" type="xs:string"/>
-    <xs:element name="EntityId1" type="xs:string"/>
-    <xs:element name="EntityId2" type="xs:string"/>
-    <xs:element name="EntityId3" type="xs:string"/>
-    <xs:element name="EntityId4" type="xs:string"/>
-    <xs:element name="EntityId5" type="xs:string"/>
-    <xs:element name="Terms">
-      <xs:complexType>
-        <xs:sequence>
-          <xs:element ref="pc:TermInfo" minOccurs="0" maxOccurs="unbounded"/>
-        </xs:sequence>
-      </xs:complexType>
-    </xs:element>
-    <xs:element name="TermInfo">
-      <xs:complexType>
-        <xs:sequence>
-          <xs:element ref="pc:TermName" minOccurs="0"/>
-          <xs:element ref="pc:TermId" minOccurs="0"/>
-        </xs:sequence>
-      </xs:complexType>
-    </xs:element>
-    <xs:element name="TermName" type="xs:string"/>
-    <xs:element name="TermId" type="xs:string"/>
-  </xs:schema>
-</ct:contentTypeSchema>
-</file>
-
-<file path=customXml/item2.xml><?xml version="1.0" encoding="utf-8"?>
-<p:properties xmlns:p="http://schemas.microsoft.com/office/2006/metadata/properties" xmlns:xsi="http://www.w3.org/2001/XMLSchema-instance" xmlns:pc="http://schemas.microsoft.com/office/infopath/2007/PartnerControls">
-  <documentManagement>
-    <_activity xmlns="4952ab04-0ae3-4d00-bda6-702fdc5fffab" xsi:nil="true"/>
-  </documentManagement>
-</p:properties>
-</file>
-
-<file path=customXml/item3.xml><?xml version="1.0" encoding="utf-8"?>
-<?mso-contentType ?>
-<FormTemplates xmlns="http://schemas.microsoft.com/sharepoint/v3/contenttype/forms">
-  <Display>DocumentLibraryForm</Display>
-  <Edit>DocumentLibraryForm</Edit>
-  <New>DocumentLibraryForm</New>
-</FormTemplates>
-</file>
-
-<file path=customXml/itemProps1.xml><?xml version="1.0" encoding="utf-8"?>
-<ds:datastoreItem xmlns:ds="http://schemas.openxmlformats.org/officeDocument/2006/customXml" ds:itemID="{F412A431-86F1-4D8E-AC27-86C6F4A4DCAA}">
-  <ds:schemaRefs>
-    <ds:schemaRef ds:uri="4952ab04-0ae3-4d00-bda6-702fdc5fffab"/>
-    <ds:schemaRef ds:uri="a9997899-e6ea-448c-9370-6665c1cb1ca9"/>
-    <ds:schemaRef ds:uri="http://purl.org/dc/elements/1.1/"/>
-    <ds:schemaRef ds:uri="http://purl.org/dc/terms/"/>
-    <ds:schemaRef ds:uri="http://schemas.microsoft.com/internal/obd"/>
-    <ds:schemaRef ds:uri="http://schemas.microsoft.com/office/2006/documentManagement/types"/>
-    <ds:schemaRef ds:uri="http://schemas.microsoft.com/office/2006/metadata/contentType"/>
-    <ds:schemaRef ds:uri="http://schemas.microsoft.com/office/2006/metadata/properties"/>
-    <ds:schemaRef ds:uri="http://schemas.microsoft.com/office/2006/metadata/properties/metaAttributes"/>
-    <ds:schemaRef ds:uri="http://schemas.microsoft.com/office/infopath/2007/PartnerControls"/>
-    <ds:schemaRef ds:uri="http://schemas.openxmlformats.org/package/2006/metadata/core-properties"/>
-    <ds:schemaRef ds:uri="http://www.w3.org/2000/xmlns/"/>
-    <ds:schemaRef ds:uri="http://www.w3.org/2001/XMLSchema"/>
-  </ds:schemaRefs>
-</ds:datastoreItem>
-</file>
-
-<file path=customXml/itemProps2.xml><?xml version="1.0" encoding="utf-8"?>
-<ds:datastoreItem xmlns:ds="http://schemas.openxmlformats.org/officeDocument/2006/customXml" ds:itemID="{F5BCF84E-3EFE-4EC9-AB6C-7D53083CF2F0}">
-  <ds:schemaRefs>
-    <ds:schemaRef ds:uri="4952ab04-0ae3-4d00-bda6-702fdc5fffab"/>
-    <ds:schemaRef ds:uri="http://schemas.microsoft.com/office/2006/metadata/properties"/>
-    <ds:schemaRef ds:uri="http://schemas.microsoft.com/office/2006/documentManagement/types"/>
-    <ds:schemaRef ds:uri="http://www.w3.org/XML/1998/namespace"/>
-    <ds:schemaRef ds:uri="http://purl.org/dc/terms/"/>
-    <ds:schemaRef ds:uri="http://purl.org/dc/elements/1.1/"/>
-    <ds:schemaRef ds:uri="a9997899-e6ea-448c-9370-6665c1cb1ca9"/>
-    <ds:schemaRef ds:uri="http://purl.org/dc/dcmitype/"/>
-    <ds:schemaRef ds:uri="http://schemas.microsoft.com/office/infopath/2007/PartnerControls"/>
-    <ds:schemaRef ds:uri="http://schemas.openxmlformats.org/package/2006/metadata/core-properties"/>
-  </ds:schemaRefs>
-</ds:datastoreItem>
-</file>
-
-<file path=customXml/itemProps3.xml><?xml version="1.0" encoding="utf-8"?>
-<ds:datastoreItem xmlns:ds="http://schemas.openxmlformats.org/officeDocument/2006/customXml" ds:itemID="{E556F4D6-31A5-4692-BD03-E6D6534FF51F}">
-  <ds:schemaRefs>
-    <ds:schemaRef ds:uri="http://schemas.microsoft.com/sharepoint/v3/contenttype/forms"/>
-  </ds:schemaRefs>
-</ds:datastoreItem>
 </file>